--- a/Week 1 - Introduction to Virtualization/Week_1_Slides.pptx
+++ b/Week 1 - Introduction to Virtualization/Week_1_Slides.pptx
@@ -5,54 +5,57 @@
     <p:sldMasterId id="2147483648" r:id="rId1"/>
   </p:sldMasterIdLst>
   <p:notesMasterIdLst>
-    <p:notesMasterId r:id="rId47"/>
+    <p:notesMasterId r:id="rId50"/>
   </p:notesMasterIdLst>
   <p:sldIdLst>
     <p:sldId id="256" r:id="rId2"/>
-    <p:sldId id="258" r:id="rId3"/>
-    <p:sldId id="259" r:id="rId4"/>
-    <p:sldId id="260" r:id="rId5"/>
-    <p:sldId id="261" r:id="rId6"/>
-    <p:sldId id="262" r:id="rId7"/>
-    <p:sldId id="263" r:id="rId8"/>
-    <p:sldId id="264" r:id="rId9"/>
-    <p:sldId id="265" r:id="rId10"/>
-    <p:sldId id="266" r:id="rId11"/>
-    <p:sldId id="267" r:id="rId12"/>
-    <p:sldId id="268" r:id="rId13"/>
-    <p:sldId id="269" r:id="rId14"/>
-    <p:sldId id="270" r:id="rId15"/>
-    <p:sldId id="271" r:id="rId16"/>
-    <p:sldId id="272" r:id="rId17"/>
-    <p:sldId id="273" r:id="rId18"/>
-    <p:sldId id="274" r:id="rId19"/>
-    <p:sldId id="275" r:id="rId20"/>
-    <p:sldId id="276" r:id="rId21"/>
-    <p:sldId id="277" r:id="rId22"/>
-    <p:sldId id="278" r:id="rId23"/>
-    <p:sldId id="279" r:id="rId24"/>
-    <p:sldId id="280" r:id="rId25"/>
-    <p:sldId id="281" r:id="rId26"/>
-    <p:sldId id="282" r:id="rId27"/>
-    <p:sldId id="283" r:id="rId28"/>
-    <p:sldId id="284" r:id="rId29"/>
-    <p:sldId id="285" r:id="rId30"/>
-    <p:sldId id="286" r:id="rId31"/>
-    <p:sldId id="287" r:id="rId32"/>
-    <p:sldId id="288" r:id="rId33"/>
-    <p:sldId id="289" r:id="rId34"/>
-    <p:sldId id="290" r:id="rId35"/>
-    <p:sldId id="291" r:id="rId36"/>
-    <p:sldId id="292" r:id="rId37"/>
-    <p:sldId id="293" r:id="rId38"/>
-    <p:sldId id="294" r:id="rId39"/>
-    <p:sldId id="295" r:id="rId40"/>
-    <p:sldId id="296" r:id="rId41"/>
-    <p:sldId id="297" r:id="rId42"/>
-    <p:sldId id="298" r:id="rId43"/>
-    <p:sldId id="299" r:id="rId44"/>
-    <p:sldId id="301" r:id="rId45"/>
-    <p:sldId id="302" r:id="rId46"/>
+    <p:sldId id="257" r:id="rId3"/>
+    <p:sldId id="258" r:id="rId4"/>
+    <p:sldId id="259" r:id="rId5"/>
+    <p:sldId id="260" r:id="rId6"/>
+    <p:sldId id="261" r:id="rId7"/>
+    <p:sldId id="262" r:id="rId8"/>
+    <p:sldId id="263" r:id="rId9"/>
+    <p:sldId id="264" r:id="rId10"/>
+    <p:sldId id="265" r:id="rId11"/>
+    <p:sldId id="266" r:id="rId12"/>
+    <p:sldId id="267" r:id="rId13"/>
+    <p:sldId id="268" r:id="rId14"/>
+    <p:sldId id="269" r:id="rId15"/>
+    <p:sldId id="270" r:id="rId16"/>
+    <p:sldId id="271" r:id="rId17"/>
+    <p:sldId id="272" r:id="rId18"/>
+    <p:sldId id="273" r:id="rId19"/>
+    <p:sldId id="274" r:id="rId20"/>
+    <p:sldId id="275" r:id="rId21"/>
+    <p:sldId id="276" r:id="rId22"/>
+    <p:sldId id="277" r:id="rId23"/>
+    <p:sldId id="278" r:id="rId24"/>
+    <p:sldId id="279" r:id="rId25"/>
+    <p:sldId id="280" r:id="rId26"/>
+    <p:sldId id="281" r:id="rId27"/>
+    <p:sldId id="282" r:id="rId28"/>
+    <p:sldId id="283" r:id="rId29"/>
+    <p:sldId id="284" r:id="rId30"/>
+    <p:sldId id="285" r:id="rId31"/>
+    <p:sldId id="286" r:id="rId32"/>
+    <p:sldId id="287" r:id="rId33"/>
+    <p:sldId id="288" r:id="rId34"/>
+    <p:sldId id="289" r:id="rId35"/>
+    <p:sldId id="290" r:id="rId36"/>
+    <p:sldId id="291" r:id="rId37"/>
+    <p:sldId id="292" r:id="rId38"/>
+    <p:sldId id="293" r:id="rId39"/>
+    <p:sldId id="294" r:id="rId40"/>
+    <p:sldId id="295" r:id="rId41"/>
+    <p:sldId id="296" r:id="rId42"/>
+    <p:sldId id="297" r:id="rId43"/>
+    <p:sldId id="298" r:id="rId44"/>
+    <p:sldId id="299" r:id="rId45"/>
+    <p:sldId id="300" r:id="rId46"/>
+    <p:sldId id="301" r:id="rId47"/>
+    <p:sldId id="302" r:id="rId48"/>
+    <p:sldId id="303" r:id="rId49"/>
   </p:sldIdLst>
   <p:sldSz cx="9144000" cy="6858000" type="screen4x3"/>
   <p:notesSz cx="6858000" cy="9144000"/>
@@ -174,24 +177,25 @@
 <pc:chgInfo xmlns:a="http://schemas.openxmlformats.org/drawingml/2006/main" xmlns:r="http://schemas.openxmlformats.org/officeDocument/2006/relationships" xmlns:ac="http://schemas.microsoft.com/office/drawing/2013/main/command" xmlns:pc="http://schemas.microsoft.com/office/powerpoint/2013/main/command">
   <pc:docChgLst>
     <pc:chgData name="Carlos Nshimba" userId="e06bf0a8-66a3-4fef-9042-c2f2bbc83d08" providerId="ADAL" clId="{C6F438E5-BB3B-49A9-B870-654235C6F34B}"/>
-    <pc:docChg chg="delSld">
-      <pc:chgData name="Carlos Nshimba" userId="e06bf0a8-66a3-4fef-9042-c2f2bbc83d08" providerId="ADAL" clId="{C6F438E5-BB3B-49A9-B870-654235C6F34B}" dt="2026-01-01T00:04:13.036" v="1" actId="2696"/>
+    <pc:docChg chg="modSld">
+      <pc:chgData name="Carlos Nshimba" userId="e06bf0a8-66a3-4fef-9042-c2f2bbc83d08" providerId="ADAL" clId="{C6F438E5-BB3B-49A9-B870-654235C6F34B}" dt="2026-01-01T00:14:39.699" v="36" actId="20577"/>
       <pc:docMkLst>
         <pc:docMk/>
       </pc:docMkLst>
-      <pc:sldChg chg="del">
-        <pc:chgData name="Carlos Nshimba" userId="e06bf0a8-66a3-4fef-9042-c2f2bbc83d08" providerId="ADAL" clId="{C6F438E5-BB3B-49A9-B870-654235C6F34B}" dt="2026-01-01T00:04:13.036" v="1" actId="2696"/>
+      <pc:sldChg chg="modSp mod">
+        <pc:chgData name="Carlos Nshimba" userId="e06bf0a8-66a3-4fef-9042-c2f2bbc83d08" providerId="ADAL" clId="{C6F438E5-BB3B-49A9-B870-654235C6F34B}" dt="2026-01-01T00:14:39.699" v="36" actId="20577"/>
         <pc:sldMkLst>
           <pc:docMk/>
           <pc:sldMk cId="0" sldId="257"/>
         </pc:sldMkLst>
-      </pc:sldChg>
-      <pc:sldChg chg="del">
-        <pc:chgData name="Carlos Nshimba" userId="e06bf0a8-66a3-4fef-9042-c2f2bbc83d08" providerId="ADAL" clId="{C6F438E5-BB3B-49A9-B870-654235C6F34B}" dt="2026-01-01T00:03:19.049" v="0" actId="2696"/>
-        <pc:sldMkLst>
-          <pc:docMk/>
-          <pc:sldMk cId="0" sldId="300"/>
-        </pc:sldMkLst>
+        <pc:spChg chg="mod">
+          <ac:chgData name="Carlos Nshimba" userId="e06bf0a8-66a3-4fef-9042-c2f2bbc83d08" providerId="ADAL" clId="{C6F438E5-BB3B-49A9-B870-654235C6F34B}" dt="2026-01-01T00:14:39.699" v="36" actId="20577"/>
+          <ac:spMkLst>
+            <pc:docMk/>
+            <pc:sldMk cId="0" sldId="257"/>
+            <ac:spMk id="4" creationId="{00000000-0000-0000-0000-000000000000}"/>
+          </ac:spMkLst>
+        </pc:spChg>
       </pc:sldChg>
     </pc:docChg>
   </pc:docChgLst>
@@ -278,7 +282,7 @@
             </a:lvl1pPr>
           </a:lstStyle>
           <a:p>
-            <a:fld id="{9BE47249-F62D-4540-ADF2-C5FFAE52A46A}" type="datetimeFigureOut">
+            <a:fld id="{B8764779-0D0B-44FE-ACF3-60CA8269C239}" type="datetimeFigureOut">
               <a:rPr lang="en-ZA" smtClean="0"/>
               <a:t>2026/01/01</a:t>
             </a:fld>
@@ -437,7 +441,7 @@
             </a:lvl1pPr>
           </a:lstStyle>
           <a:p>
-            <a:fld id="{E18893AA-A2F6-438A-9EBF-554B5F85BF21}" type="slidenum">
+            <a:fld id="{945042D6-DBB4-47E9-ACFF-B58E13219F1A}" type="slidenum">
               <a:rPr lang="en-ZA" smtClean="0"/>
               <a:t>‹#›</a:t>
             </a:fld>
@@ -448,7 +452,7 @@
     </p:spTree>
     <p:extLst>
       <p:ext uri="{BB962C8B-B14F-4D97-AF65-F5344CB8AC3E}">
-        <p14:creationId xmlns:p14="http://schemas.microsoft.com/office/powerpoint/2010/main" val="2396198720"/>
+        <p14:creationId xmlns:p14="http://schemas.microsoft.com/office/powerpoint/2010/main" val="688470793"/>
       </p:ext>
     </p:extLst>
   </p:cSld>
@@ -1103,51 +1107,44 @@
           <a:lstStyle/>
           <a:p>
             <a:r>
-              <a:rPr dirty="0"/>
               <a:t>2.1 Type-1: Bare-Metal Hypervisors (Part 4)</a:t>
             </a:r>
           </a:p>
           <a:p>
-            <a:endParaRPr dirty="0"/>
-          </a:p>
-          <a:p>
-            <a:r>
-              <a:rPr dirty="0"/>
+            <a:endParaRPr/>
+          </a:p>
+          <a:p>
+            <a:r>
               <a:t>Key Points:</a:t>
             </a:r>
           </a:p>
           <a:p>
             <a:r>
-              <a:rPr dirty="0"/>
               <a:t>1. When a virtual CPU needs to execute instructions, the hypervisor can schedule that vCPU to run directly on a physical CPU core with minimal overhead.</a:t>
             </a:r>
           </a:p>
           <a:p>
             <a:r>
-              <a:rPr dirty="0"/>
               <a:t>2. Hardware virtualization extensions like Intel VT-x and AMD-V enable the processor to switch between different virtual machines efficiently, with the hypervisor maintaining control when necessary but allowing VMs to execute at near-native speed most of the time.</a:t>
             </a:r>
           </a:p>
           <a:p>
             <a:r>
-              <a:rPr dirty="0"/>
               <a:t>3. Security benefits also emerge from the Type-1 architecture.</a:t>
             </a:r>
           </a:p>
           <a:p>
             <a:r>
-              <a:rPr dirty="0"/>
               <a:t>4. With no underlying operating system, the attack surface is dramatically reduced compared to Type-2 hypervisors.</a:t>
             </a:r>
           </a:p>
           <a:p>
             <a:r>
-              <a:rPr dirty="0"/>
               <a:t>5. There is no general-purpose OS with system services, user accounts, or application software that could contain vulnerabilities.</a:t>
             </a:r>
           </a:p>
           <a:p>
-            <a:endParaRPr dirty="0"/>
+            <a:endParaRPr/>
           </a:p>
         </p:txBody>
       </p:sp>
@@ -3958,51 +3955,44 @@
           <a:lstStyle/>
           <a:p>
             <a:r>
-              <a:rPr dirty="0"/>
               <a:t>1.3 Practical Benefits of Virtualization (Part 2)</a:t>
             </a:r>
           </a:p>
           <a:p>
-            <a:endParaRPr dirty="0"/>
-          </a:p>
-          <a:p>
-            <a:r>
-              <a:rPr dirty="0"/>
+            <a:endParaRPr/>
+          </a:p>
+          <a:p>
+            <a:r>
               <a:t>Key Points:</a:t>
             </a:r>
           </a:p>
           <a:p>
             <a:r>
-              <a:rPr dirty="0"/>
               <a:t>1. With appropriate consolidation onto 4 physical hosts running virtual machines, power consumption might drop to 1,200 watts while maintaining the same computational capacity.</a:t>
             </a:r>
           </a:p>
           <a:p>
             <a:r>
-              <a:rPr dirty="0"/>
               <a:t>2. Over a year, this represents significant savings in electricity costs and reduced cooling requirements, which often consume as much power as the servers themselves.</a:t>
             </a:r>
           </a:p>
           <a:p>
             <a:r>
-              <a:rPr dirty="0"/>
               <a:t>3. Isolation and security benefits emerge from the separation between virtual machines.</a:t>
             </a:r>
           </a:p>
           <a:p>
             <a:r>
-              <a:rPr dirty="0"/>
               <a:t>4. Each VM operates in its own isolated environment.</a:t>
             </a:r>
           </a:p>
           <a:p>
             <a:r>
-              <a:rPr dirty="0"/>
               <a:t>5. If one VM experiences a kernel panic, becomes compromised by malware, or suffers a critical software failure, other VMs on the same physical host continue operating normally.</a:t>
             </a:r>
           </a:p>
           <a:p>
-            <a:endParaRPr dirty="0"/>
+            <a:endParaRPr/>
           </a:p>
         </p:txBody>
       </p:sp>
@@ -4268,51 +4258,44 @@
           <a:lstStyle/>
           <a:p>
             <a:r>
-              <a:rPr dirty="0"/>
               <a:t>Section 1 Checkpoint (Part 1)</a:t>
             </a:r>
           </a:p>
           <a:p>
-            <a:endParaRPr dirty="0"/>
-          </a:p>
-          <a:p>
-            <a:r>
-              <a:rPr dirty="0"/>
+            <a:endParaRPr/>
+          </a:p>
+          <a:p>
+            <a:r>
               <a:t>Key Points:</a:t>
             </a:r>
           </a:p>
           <a:p>
             <a:r>
-              <a:rPr dirty="0"/>
               <a:t>1. Virtualization abstracts physical hardware to run multiple OSs concurrently.</a:t>
             </a:r>
           </a:p>
           <a:p>
             <a:r>
-              <a:rPr dirty="0"/>
               <a:t>2. The Hypervisor is the intermediary layer managing this abstraction.</a:t>
             </a:r>
           </a:p>
           <a:p>
             <a:r>
-              <a:rPr dirty="0"/>
               <a:t>3. Benefits include server consolidation, isolation, and rapid provisioning.</a:t>
             </a:r>
           </a:p>
           <a:p>
             <a:r>
-              <a:rPr dirty="0"/>
               <a:t>4. How does the concept of "abstraction" apply to other areas of computing (e.g., programming languages)?</a:t>
             </a:r>
           </a:p>
           <a:p>
             <a:r>
-              <a:rPr dirty="0"/>
               <a:t>5. Why were hardware virtualization extensions (VT-x/AMD-V) necessary for x86 architecture?</a:t>
             </a:r>
           </a:p>
           <a:p>
-            <a:endParaRPr dirty="0"/>
+            <a:endParaRPr/>
           </a:p>
         </p:txBody>
       </p:sp>
@@ -7527,7 +7510,7 @@
               </a:defRPr>
             </a:pPr>
             <a:r>
-              <a:t>1.3 Practical Benefits of Virtualization (Part 3)</a:t>
+              <a:t>1.3 Practical Benefits of Virtualization (Part 1)</a:t>
             </a:r>
           </a:p>
         </p:txBody>
@@ -7568,7 +7551,7 @@
               </a:defRPr>
             </a:pPr>
             <a:r>
-              <a:t>This isolation extends beyond mere process separation within a single OS.</a:t>
+              <a:t>The adoption of virtualization technology delivers several concrete benefits that have made it nearly ubiquitous in modern data centers.</a:t>
             </a:r>
           </a:p>
           <a:p>
@@ -7586,7 +7569,7 @@
               </a:defRPr>
             </a:pPr>
             <a:r>
-              <a:t>VMs have separate virtual hardware, separate kernel instances, and separate network stacks, providing strong isolation boundaries that enhance security and stability.</a:t>
+              <a:t>Server consolidation represents one of the most immediate and measurable advantages.</a:t>
             </a:r>
           </a:p>
           <a:p>
@@ -7604,7 +7587,7 @@
               </a:defRPr>
             </a:pPr>
             <a:r>
-              <a:t>Operational flexibility represents another significant advantage.</a:t>
+              <a:t>Organizations that previously required dozens or hundreds of physical servers can consolidate these workloads onto a smaller number of more powerful physical hosts running multiple virtual machines.</a:t>
             </a:r>
           </a:p>
           <a:p>
@@ -7622,7 +7605,7 @@
               </a:defRPr>
             </a:pPr>
             <a:r>
-              <a:t>Deploying a new physical server traditionally required procurement, delivery, racking, cabling, OS installation, and configuration—a process that could take days or weeks.</a:t>
+              <a:t>This consolidation reduces capital expenditure on hardware, lowers power consumption, decreases cooling requirements, and reduces the physical space needed for infrastructure.</a:t>
             </a:r>
           </a:p>
           <a:p>
@@ -7640,7 +7623,7 @@
               </a:defRPr>
             </a:pPr>
             <a:r>
-              <a:t>Creating a new virtual machine can be accomplished in minutes.</a:t>
+              <a:t>Consider a concrete example: A medium-sized organization running 20 physical servers, each consuming 200 watts of power, uses 4,000 watts continuously.</a:t>
             </a:r>
           </a:p>
         </p:txBody>
@@ -7732,7 +7715,7 @@
               </a:defRPr>
             </a:pPr>
             <a:r>
-              <a:t>1.3 Practical Benefits of Virtualization (Part 4)</a:t>
+              <a:t>1.3 Practical Benefits of Virtualization (Part 2)</a:t>
             </a:r>
           </a:p>
         </p:txBody>
@@ -7773,7 +7756,7 @@
               </a:defRPr>
             </a:pPr>
             <a:r>
-              <a:t>Need a test environment identical to production?</a:t>
+              <a:t>With appropriate consolidation onto 4 physical hosts running virtual machines, power consumption might drop to 1,200 watts while maintaining the same computational capacity.</a:t>
             </a:r>
           </a:p>
           <a:p>
@@ -7791,7 +7774,61 @@
               </a:defRPr>
             </a:pPr>
             <a:r>
-              <a:t>Clone the production VM and have a perfect replica ready immediately.</a:t>
+              <a:t>Over a year, this represents significant savings in electricity costs and reduced cooling requirements, which often consume as much power as the servers themselves.</a:t>
+            </a:r>
+          </a:p>
+          <a:p>
+            <a:pPr>
+              <a:spcBef>
+                <a:spcPts val="800"/>
+              </a:spcBef>
+              <a:spcAft>
+                <a:spcPts val="800"/>
+              </a:spcAft>
+              <a:defRPr sz="2000">
+                <a:solidFill>
+                  <a:srgbClr val="FFFFFF"/>
+                </a:solidFill>
+              </a:defRPr>
+            </a:pPr>
+            <a:r>
+              <a:t>Isolation and security benefits emerge from the separation between virtual machines.</a:t>
+            </a:r>
+          </a:p>
+          <a:p>
+            <a:pPr>
+              <a:spcBef>
+                <a:spcPts val="800"/>
+              </a:spcBef>
+              <a:spcAft>
+                <a:spcPts val="800"/>
+              </a:spcAft>
+              <a:defRPr sz="2000">
+                <a:solidFill>
+                  <a:srgbClr val="FFFFFF"/>
+                </a:solidFill>
+              </a:defRPr>
+            </a:pPr>
+            <a:r>
+              <a:t>Each VM operates in its own isolated environment.</a:t>
+            </a:r>
+          </a:p>
+          <a:p>
+            <a:pPr>
+              <a:spcBef>
+                <a:spcPts val="800"/>
+              </a:spcBef>
+              <a:spcAft>
+                <a:spcPts val="800"/>
+              </a:spcAft>
+              <a:defRPr sz="2000">
+                <a:solidFill>
+                  <a:srgbClr val="FFFFFF"/>
+                </a:solidFill>
+              </a:defRPr>
+            </a:pPr>
+            <a:r>
+              <a:t>If one VM experiences a kernel panic, becomes compromised by malware, or suffers a critical software failure, other VMs on the same physical host continue operating normally.</a:t>
             </a:r>
           </a:p>
         </p:txBody>
@@ -7883,7 +7920,7 @@
               </a:defRPr>
             </a:pPr>
             <a:r>
-              <a:t>Section 1 Checkpoint (Part 1)</a:t>
+              <a:t>1.3 Practical Benefits of Virtualization (Part 3)</a:t>
             </a:r>
           </a:p>
         </p:txBody>
@@ -7924,7 +7961,7 @@
               </a:defRPr>
             </a:pPr>
             <a:r>
-              <a:t>Virtualization abstracts physical hardware to run multiple OSs concurrently.</a:t>
+              <a:t>This isolation extends beyond mere process separation within a single OS.</a:t>
             </a:r>
           </a:p>
           <a:p>
@@ -7942,7 +7979,7 @@
               </a:defRPr>
             </a:pPr>
             <a:r>
-              <a:t>The Hypervisor is the intermediary layer managing this abstraction.</a:t>
+              <a:t>VMs have separate virtual hardware, separate kernel instances, and separate network stacks, providing strong isolation boundaries that enhance security and stability.</a:t>
             </a:r>
           </a:p>
           <a:p>
@@ -7960,7 +7997,7 @@
               </a:defRPr>
             </a:pPr>
             <a:r>
-              <a:t>Benefits include server consolidation, isolation, and rapid provisioning.</a:t>
+              <a:t>Operational flexibility represents another significant advantage.</a:t>
             </a:r>
           </a:p>
           <a:p>
@@ -7978,7 +8015,7 @@
               </a:defRPr>
             </a:pPr>
             <a:r>
-              <a:t>How does the concept of "abstraction" apply to other areas of computing (e.g., programming languages)?</a:t>
+              <a:t>Deploying a new physical server traditionally required procurement, delivery, racking, cabling, OS installation, and configuration—a process that could take days or weeks.</a:t>
             </a:r>
           </a:p>
           <a:p>
@@ -7996,7 +8033,7 @@
               </a:defRPr>
             </a:pPr>
             <a:r>
-              <a:t>Why were hardware virtualization extensions (VT-x/AMD-V) necessary for x86 architecture?</a:t>
+              <a:t>Creating a new virtual machine can be accomplished in minutes.</a:t>
             </a:r>
           </a:p>
         </p:txBody>
@@ -8088,7 +8125,7 @@
               </a:defRPr>
             </a:pPr>
             <a:r>
-              <a:t>Section 1 Checkpoint (Part 2)</a:t>
+              <a:t>1.3 Practical Benefits of Virtualization (Part 4)</a:t>
             </a:r>
           </a:p>
         </p:txBody>
@@ -8129,7 +8166,25 @@
               </a:defRPr>
             </a:pPr>
             <a:r>
-              <a:t>Red Hat: What is Virtualization?</a:t>
+              <a:t>Need a test environment identical to production?</a:t>
+            </a:r>
+          </a:p>
+          <a:p>
+            <a:pPr>
+              <a:spcBef>
+                <a:spcPts val="800"/>
+              </a:spcBef>
+              <a:spcAft>
+                <a:spcPts val="800"/>
+              </a:spcAft>
+              <a:defRPr sz="2000">
+                <a:solidFill>
+                  <a:srgbClr val="FFFFFF"/>
+                </a:solidFill>
+              </a:defRPr>
+            </a:pPr>
+            <a:r>
+              <a:t>Clone the production VM and have a perfect replica ready immediately.</a:t>
             </a:r>
           </a:p>
         </p:txBody>
@@ -8148,7 +8203,7 @@
     <p:bg>
       <p:bgPr>
         <a:solidFill>
-          <a:srgbClr val="1E3A5F"/>
+          <a:srgbClr val="142A46"/>
         </a:solidFill>
         <a:effectLst/>
       </p:bgPr>
@@ -8176,7 +8231,7 @@
           <p:nvPr/>
         </p:nvPicPr>
         <p:blipFill>
-          <a:blip r:embed="rId2"/>
+          <a:blip r:embed="rId3"/>
           <a:stretch>
             <a:fillRect/>
           </a:stretch>
@@ -8199,8 +8254,8 @@
         </p:nvSpPr>
         <p:spPr>
           <a:xfrm>
-            <a:off x="914400" y="2286000"/>
-            <a:ext cx="7315200" cy="1828800"/>
+            <a:off x="457200" y="914400"/>
+            <a:ext cx="8229600" cy="640080"/>
           </a:xfrm>
           <a:prstGeom prst="rect">
             <a:avLst/>
@@ -8208,20 +8263,133 @@
           <a:noFill/>
         </p:spPr>
         <p:txBody>
+          <a:bodyPr wrap="none">
+            <a:spAutoFit/>
+          </a:bodyPr>
+          <a:lstStyle/>
+          <a:p>
+            <a:pPr>
+              <a:defRPr sz="3200" b="1">
+                <a:solidFill>
+                  <a:srgbClr val="C9984A"/>
+                </a:solidFill>
+              </a:defRPr>
+            </a:pPr>
+            <a:r>
+              <a:t>Section 1 Checkpoint (Part 1)</a:t>
+            </a:r>
+          </a:p>
+        </p:txBody>
+      </p:sp>
+      <p:sp>
+        <p:nvSpPr>
+          <p:cNvPr id="4" name="TextBox 3"/>
+          <p:cNvSpPr txBox="1"/>
+          <p:nvPr/>
+        </p:nvSpPr>
+        <p:spPr>
+          <a:xfrm>
+            <a:off x="731520" y="1737360"/>
+            <a:ext cx="7680960" cy="4389120"/>
+          </a:xfrm>
+          <a:prstGeom prst="rect">
+            <a:avLst/>
+          </a:prstGeom>
+          <a:noFill/>
+        </p:spPr>
+        <p:txBody>
           <a:bodyPr wrap="square">
             <a:spAutoFit/>
           </a:bodyPr>
           <a:lstStyle/>
           <a:p>
-            <a:pPr algn="ctr">
-              <a:defRPr sz="4800" b="1">
-                <a:solidFill>
-                  <a:srgbClr val="C9984A"/>
-                </a:solidFill>
-              </a:defRPr>
-            </a:pPr>
-            <a:r>
-              <a:t>2. Types of Hypervisors</a:t>
+            <a:pPr>
+              <a:spcBef>
+                <a:spcPts val="800"/>
+              </a:spcBef>
+              <a:spcAft>
+                <a:spcPts val="800"/>
+              </a:spcAft>
+              <a:defRPr sz="2000">
+                <a:solidFill>
+                  <a:srgbClr val="FFFFFF"/>
+                </a:solidFill>
+              </a:defRPr>
+            </a:pPr>
+            <a:r>
+              <a:t>Virtualization abstracts physical hardware to run multiple OSs concurrently.</a:t>
+            </a:r>
+          </a:p>
+          <a:p>
+            <a:pPr>
+              <a:spcBef>
+                <a:spcPts val="800"/>
+              </a:spcBef>
+              <a:spcAft>
+                <a:spcPts val="800"/>
+              </a:spcAft>
+              <a:defRPr sz="2000">
+                <a:solidFill>
+                  <a:srgbClr val="FFFFFF"/>
+                </a:solidFill>
+              </a:defRPr>
+            </a:pPr>
+            <a:r>
+              <a:t>The Hypervisor is the intermediary layer managing this abstraction.</a:t>
+            </a:r>
+          </a:p>
+          <a:p>
+            <a:pPr>
+              <a:spcBef>
+                <a:spcPts val="800"/>
+              </a:spcBef>
+              <a:spcAft>
+                <a:spcPts val="800"/>
+              </a:spcAft>
+              <a:defRPr sz="2000">
+                <a:solidFill>
+                  <a:srgbClr val="FFFFFF"/>
+                </a:solidFill>
+              </a:defRPr>
+            </a:pPr>
+            <a:r>
+              <a:t>Benefits include server consolidation, isolation, and rapid provisioning.</a:t>
+            </a:r>
+          </a:p>
+          <a:p>
+            <a:pPr>
+              <a:spcBef>
+                <a:spcPts val="800"/>
+              </a:spcBef>
+              <a:spcAft>
+                <a:spcPts val="800"/>
+              </a:spcAft>
+              <a:defRPr sz="2000">
+                <a:solidFill>
+                  <a:srgbClr val="FFFFFF"/>
+                </a:solidFill>
+              </a:defRPr>
+            </a:pPr>
+            <a:r>
+              <a:t>How does the concept of "abstraction" apply to other areas of computing (e.g., programming languages)?</a:t>
+            </a:r>
+          </a:p>
+          <a:p>
+            <a:pPr>
+              <a:spcBef>
+                <a:spcPts val="800"/>
+              </a:spcBef>
+              <a:spcAft>
+                <a:spcPts val="800"/>
+              </a:spcAft>
+              <a:defRPr sz="2000">
+                <a:solidFill>
+                  <a:srgbClr val="FFFFFF"/>
+                </a:solidFill>
+              </a:defRPr>
+            </a:pPr>
+            <a:r>
+              <a:t>Why were hardware virtualization extensions (VT-x/AMD-V) necessary for x86 architecture?</a:t>
             </a:r>
           </a:p>
         </p:txBody>
@@ -8313,7 +8481,7 @@
               </a:defRPr>
             </a:pPr>
             <a:r>
-              <a:t>2.1 Type-1: Bare-Metal Hypervisors (Part 1)</a:t>
+              <a:t>Section 1 Checkpoint (Part 2)</a:t>
             </a:r>
           </a:p>
         </p:txBody>
@@ -8354,79 +8522,7 @@
               </a:defRPr>
             </a:pPr>
             <a:r>
-              <a:t>Type-1 hypervisors, commonly referred to as bare-metal hypervisors, run directly on the physical hardware without any intervening operating system.</a:t>
-            </a:r>
-          </a:p>
-          <a:p>
-            <a:pPr>
-              <a:spcBef>
-                <a:spcPts val="800"/>
-              </a:spcBef>
-              <a:spcAft>
-                <a:spcPts val="800"/>
-              </a:spcAft>
-              <a:defRPr sz="2000">
-                <a:solidFill>
-                  <a:srgbClr val="FFFFFF"/>
-                </a:solidFill>
-              </a:defRPr>
-            </a:pPr>
-            <a:r>
-              <a:t>The hypervisor itself serves as the operating system, providing a minimal, purpose-built environment optimized solely for running virtual machines.</a:t>
-            </a:r>
-          </a:p>
-          <a:p>
-            <a:pPr>
-              <a:spcBef>
-                <a:spcPts val="800"/>
-              </a:spcBef>
-              <a:spcAft>
-                <a:spcPts val="800"/>
-              </a:spcAft>
-              <a:defRPr sz="2000">
-                <a:solidFill>
-                  <a:srgbClr val="FFFFFF"/>
-                </a:solidFill>
-              </a:defRPr>
-            </a:pPr>
-            <a:r>
-              <a:t>This architecture eliminates an entire software layer compared to Type-2 hypervisors, which has significant implications for performance, security, and manageability.</a:t>
-            </a:r>
-          </a:p>
-          <a:p>
-            <a:pPr>
-              <a:spcBef>
-                <a:spcPts val="800"/>
-              </a:spcBef>
-              <a:spcAft>
-                <a:spcPts val="800"/>
-              </a:spcAft>
-              <a:defRPr sz="2000">
-                <a:solidFill>
-                  <a:srgbClr val="FFFFFF"/>
-                </a:solidFill>
-              </a:defRPr>
-            </a:pPr>
-            <a:r>
-              <a:t>When a physical server boots with a Type-1 hypervisor installed, the hypervisor loads directly from the boot device and initializes the hardware.</a:t>
-            </a:r>
-          </a:p>
-          <a:p>
-            <a:pPr>
-              <a:spcBef>
-                <a:spcPts val="800"/>
-              </a:spcBef>
-              <a:spcAft>
-                <a:spcPts val="800"/>
-              </a:spcAft>
-              <a:defRPr sz="2000">
-                <a:solidFill>
-                  <a:srgbClr val="FFFFFF"/>
-                </a:solidFill>
-              </a:defRPr>
-            </a:pPr>
-            <a:r>
-              <a:t>The hypervisor takes complete control of physical resources including CPU cores, memory, storage devices, and network interfaces.</a:t>
+              <a:t>Red Hat: What is Virtualization?</a:t>
             </a:r>
           </a:p>
         </p:txBody>
@@ -8445,7 +8541,7 @@
     <p:bg>
       <p:bgPr>
         <a:solidFill>
-          <a:srgbClr val="142A46"/>
+          <a:srgbClr val="1E3A5F"/>
         </a:solidFill>
         <a:effectLst/>
       </p:bgPr>
@@ -8473,7 +8569,7 @@
           <p:nvPr/>
         </p:nvPicPr>
         <p:blipFill>
-          <a:blip r:embed="rId3"/>
+          <a:blip r:embed="rId2"/>
           <a:stretch>
             <a:fillRect/>
           </a:stretch>
@@ -8496,8 +8592,8 @@
         </p:nvSpPr>
         <p:spPr>
           <a:xfrm>
-            <a:off x="457200" y="914400"/>
-            <a:ext cx="8229600" cy="640080"/>
+            <a:off x="914400" y="2286000"/>
+            <a:ext cx="7315200" cy="1828800"/>
           </a:xfrm>
           <a:prstGeom prst="rect">
             <a:avLst/>
@@ -8505,133 +8601,20 @@
           <a:noFill/>
         </p:spPr>
         <p:txBody>
-          <a:bodyPr wrap="none">
-            <a:spAutoFit/>
-          </a:bodyPr>
-          <a:lstStyle/>
-          <a:p>
-            <a:pPr>
-              <a:defRPr sz="3200" b="1">
-                <a:solidFill>
-                  <a:srgbClr val="C9984A"/>
-                </a:solidFill>
-              </a:defRPr>
-            </a:pPr>
-            <a:r>
-              <a:t>2.1 Type-1: Bare-Metal Hypervisors (Part 2)</a:t>
-            </a:r>
-          </a:p>
-        </p:txBody>
-      </p:sp>
-      <p:sp>
-        <p:nvSpPr>
-          <p:cNvPr id="4" name="TextBox 3"/>
-          <p:cNvSpPr txBox="1"/>
-          <p:nvPr/>
-        </p:nvSpPr>
-        <p:spPr>
-          <a:xfrm>
-            <a:off x="731520" y="1737360"/>
-            <a:ext cx="7680960" cy="4389120"/>
-          </a:xfrm>
-          <a:prstGeom prst="rect">
-            <a:avLst/>
-          </a:prstGeom>
-          <a:noFill/>
-        </p:spPr>
-        <p:txBody>
           <a:bodyPr wrap="square">
             <a:spAutoFit/>
           </a:bodyPr>
           <a:lstStyle/>
           <a:p>
-            <a:pPr>
-              <a:spcBef>
-                <a:spcPts val="800"/>
-              </a:spcBef>
-              <a:spcAft>
-                <a:spcPts val="800"/>
-              </a:spcAft>
-              <a:defRPr sz="2000">
-                <a:solidFill>
-                  <a:srgbClr val="FFFFFF"/>
-                </a:solidFill>
-              </a:defRPr>
-            </a:pPr>
-            <a:r>
-              <a:t>It then presents virtualized versions of these resources to the virtual machines it hosts.</a:t>
-            </a:r>
-          </a:p>
-          <a:p>
-            <a:pPr>
-              <a:spcBef>
-                <a:spcPts val="800"/>
-              </a:spcBef>
-              <a:spcAft>
-                <a:spcPts val="800"/>
-              </a:spcAft>
-              <a:defRPr sz="2000">
-                <a:solidFill>
-                  <a:srgbClr val="FFFFFF"/>
-                </a:solidFill>
-              </a:defRPr>
-            </a:pPr>
-            <a:r>
-              <a:t>Because there is no intermediary operating system consuming resources or adding processing overhead, Type-1 hypervisors can achieve near-native performance.</a:t>
-            </a:r>
-          </a:p>
-          <a:p>
-            <a:pPr>
-              <a:spcBef>
-                <a:spcPts val="800"/>
-              </a:spcBef>
-              <a:spcAft>
-                <a:spcPts val="800"/>
-              </a:spcAft>
-              <a:defRPr sz="2000">
-                <a:solidFill>
-                  <a:srgbClr val="FFFFFF"/>
-                </a:solidFill>
-              </a:defRPr>
-            </a:pPr>
-            <a:r>
-              <a:t>The architecture of a Type-1 hypervisor consists of several key components.</a:t>
-            </a:r>
-          </a:p>
-          <a:p>
-            <a:pPr>
-              <a:spcBef>
-                <a:spcPts val="800"/>
-              </a:spcBef>
-              <a:spcAft>
-                <a:spcPts val="800"/>
-              </a:spcAft>
-              <a:defRPr sz="2000">
-                <a:solidFill>
-                  <a:srgbClr val="FFFFFF"/>
-                </a:solidFill>
-              </a:defRPr>
-            </a:pPr>
-            <a:r>
-              <a:t>The hypervisor kernel manages basic hardware interaction, CPU virtualization, and memory management.</a:t>
-            </a:r>
-          </a:p>
-          <a:p>
-            <a:pPr>
-              <a:spcBef>
-                <a:spcPts val="800"/>
-              </a:spcBef>
-              <a:spcAft>
-                <a:spcPts val="800"/>
-              </a:spcAft>
-              <a:defRPr sz="2000">
-                <a:solidFill>
-                  <a:srgbClr val="FFFFFF"/>
-                </a:solidFill>
-              </a:defRPr>
-            </a:pPr>
-            <a:r>
-              <a:t>Device drivers enable the hypervisor to communicate with physical hardware such as network cards, storage controllers, and management interfaces.</a:t>
+            <a:pPr algn="ctr">
+              <a:defRPr sz="4800" b="1">
+                <a:solidFill>
+                  <a:srgbClr val="C9984A"/>
+                </a:solidFill>
+              </a:defRPr>
+            </a:pPr>
+            <a:r>
+              <a:t>2. Types of Hypervisors</a:t>
             </a:r>
           </a:p>
         </p:txBody>
@@ -8723,7 +8706,7 @@
               </a:defRPr>
             </a:pPr>
             <a:r>
-              <a:t>2.1 Type-1: Bare-Metal Hypervisors (Part 3)</a:t>
+              <a:t>2.1 Type-1: Bare-Metal Hypervisors (Part 1)</a:t>
             </a:r>
           </a:p>
         </p:txBody>
@@ -8764,7 +8747,7 @@
               </a:defRPr>
             </a:pPr>
             <a:r>
-              <a:t>A management layer provides interfaces for administrators to create, configure, and control virtual machines.</a:t>
+              <a:t>Type-1 hypervisors, commonly referred to as bare-metal hypervisors, run directly on the physical hardware without any intervening operating system.</a:t>
             </a:r>
           </a:p>
           <a:p>
@@ -8782,7 +8765,7 @@
               </a:defRPr>
             </a:pPr>
             <a:r>
-              <a:t>In modern hypervisors like Proxmox VE, this management layer includes a web-based interface that simplifies VM lifecycle management.</a:t>
+              <a:t>The hypervisor itself serves as the operating system, providing a minimal, purpose-built environment optimized solely for running virtual machines.</a:t>
             </a:r>
           </a:p>
           <a:p>
@@ -8800,7 +8783,7 @@
               </a:defRPr>
             </a:pPr>
             <a:r>
-              <a:t>Major examples of Type-1 hypervisors include Proxmox VE, which we will use throughout this course, VMware ESXi, which dominates enterprise virtualization deployments, Microsoft Hyper-V, which powers Azure's cloud infrastructure, and Xen, which is used by Amazon Web Services for EC2 instances.</a:t>
+              <a:t>This architecture eliminates an entire software layer compared to Type-2 hypervisors, which has significant implications for performance, security, and manageability.</a:t>
             </a:r>
           </a:p>
           <a:p>
@@ -8818,7 +8801,7 @@
               </a:defRPr>
             </a:pPr>
             <a:r>
-              <a:t>These hypervisors share common characteristics: they install directly on server hardware, provide high performance through direct hardware access, and are designed for production workloads requiring reliability and efficiency.</a:t>
+              <a:t>When a physical server boots with a Type-1 hypervisor installed, the hypervisor loads directly from the boot device and initializes the hardware.</a:t>
             </a:r>
           </a:p>
           <a:p>
@@ -8836,7 +8819,7 @@
               </a:defRPr>
             </a:pPr>
             <a:r>
-              <a:t>The performance advantage of Type-1 hypervisors stems from their direct hardware access.</a:t>
+              <a:t>The hypervisor takes complete control of physical resources including CPU cores, memory, storage devices, and network interfaces.</a:t>
             </a:r>
           </a:p>
         </p:txBody>
@@ -8928,7 +8911,7 @@
               </a:defRPr>
             </a:pPr>
             <a:r>
-              <a:t>2.1 Type-1: Bare-Metal Hypervisors (Part 4)</a:t>
+              <a:t>2.1 Type-1: Bare-Metal Hypervisors (Part 2)</a:t>
             </a:r>
           </a:p>
         </p:txBody>
@@ -8969,7 +8952,7 @@
               </a:defRPr>
             </a:pPr>
             <a:r>
-              <a:t>When a virtual CPU needs to execute instructions, the hypervisor can schedule that vCPU to run directly on a physical CPU core with minimal overhead.</a:t>
+              <a:t>It then presents virtualized versions of these resources to the virtual machines it hosts.</a:t>
             </a:r>
           </a:p>
           <a:p>
@@ -8987,7 +8970,7 @@
               </a:defRPr>
             </a:pPr>
             <a:r>
-              <a:t>Hardware virtualization extensions like Intel VT-x and AMD-V enable the processor to switch between different virtual machines efficiently, with the hypervisor maintaining control when necessary but allowing VMs to execute at near-native speed most of the time.</a:t>
+              <a:t>Because there is no intermediary operating system consuming resources or adding processing overhead, Type-1 hypervisors can achieve near-native performance.</a:t>
             </a:r>
           </a:p>
           <a:p>
@@ -9005,7 +8988,7 @@
               </a:defRPr>
             </a:pPr>
             <a:r>
-              <a:t>Security benefits also emerge from the Type-1 architecture.</a:t>
+              <a:t>The architecture of a Type-1 hypervisor consists of several key components.</a:t>
             </a:r>
           </a:p>
           <a:p>
@@ -9023,7 +9006,7 @@
               </a:defRPr>
             </a:pPr>
             <a:r>
-              <a:t>With no underlying operating system, the attack surface is dramatically reduced compared to Type-2 hypervisors.</a:t>
+              <a:t>The hypervisor kernel manages basic hardware interaction, CPU virtualization, and memory management.</a:t>
             </a:r>
           </a:p>
           <a:p>
@@ -9041,7 +9024,7 @@
               </a:defRPr>
             </a:pPr>
             <a:r>
-              <a:t>There is no general-purpose OS with system services, user accounts, or application software that could contain vulnerabilities.</a:t>
+              <a:t>Device drivers enable the hypervisor to communicate with physical hardware such as network cards, storage controllers, and management interfaces.</a:t>
             </a:r>
           </a:p>
         </p:txBody>
@@ -9133,7 +9116,7 @@
               </a:defRPr>
             </a:pPr>
             <a:r>
-              <a:t>2.1 Type-1: Bare-Metal Hypervisors (Part 5)</a:t>
+              <a:t>2.1 Type-1: Bare-Metal Hypervisors (Part 3)</a:t>
             </a:r>
           </a:p>
         </p:txBody>
@@ -9174,7 +9157,7 @@
               </a:defRPr>
             </a:pPr>
             <a:r>
-              <a:t>The hypervisor is purpose-built for virtualization, with a minimal codebase focused solely on managing virtual machines, which reduces the potential for security flaws.</a:t>
+              <a:t>A management layer provides interfaces for administrators to create, configure, and control virtual machines.</a:t>
             </a:r>
           </a:p>
           <a:p>
@@ -9192,7 +9175,7 @@
               </a:defRPr>
             </a:pPr>
             <a:r>
-              <a:t>Type-1 hypervisors are the standard choice for production server environments, data centers, and cloud infrastructure.</a:t>
+              <a:t>In modern hypervisors like Proxmox VE, this management layer includes a web-based interface that simplifies VM lifecycle management.</a:t>
             </a:r>
           </a:p>
           <a:p>
@@ -9210,7 +9193,7 @@
               </a:defRPr>
             </a:pPr>
             <a:r>
-              <a:t>They excel in scenarios where performance, reliability, and resource efficiency are paramount.</a:t>
+              <a:t>Major examples of Type-1 hypervisors include Proxmox VE, which we will use throughout this course, VMware ESXi, which dominates enterprise virtualization deployments, Microsoft Hyper-V, which powers Azure's cloud infrastructure, and Xen, which is used by Amazon Web Services for EC2 instances.</a:t>
             </a:r>
           </a:p>
           <a:p>
@@ -9228,7 +9211,25 @@
               </a:defRPr>
             </a:pPr>
             <a:r>
-              <a:t>Organizations running business-critical applications, operating 24/7 services, or managing large-scale virtualization deployments invariably choose Type-1 hypervisors for their infrastructure.</a:t>
+              <a:t>These hypervisors share common characteristics: they install directly on server hardware, provide high performance through direct hardware access, and are designed for production workloads requiring reliability and efficiency.</a:t>
+            </a:r>
+          </a:p>
+          <a:p>
+            <a:pPr>
+              <a:spcBef>
+                <a:spcPts val="800"/>
+              </a:spcBef>
+              <a:spcAft>
+                <a:spcPts val="800"/>
+              </a:spcAft>
+              <a:defRPr sz="2000">
+                <a:solidFill>
+                  <a:srgbClr val="FFFFFF"/>
+                </a:solidFill>
+              </a:defRPr>
+            </a:pPr>
+            <a:r>
+              <a:t>The performance advantage of Type-1 hypervisors stems from their direct hardware access.</a:t>
             </a:r>
           </a:p>
         </p:txBody>
@@ -9247,7 +9248,7 @@
     <p:bg>
       <p:bgPr>
         <a:solidFill>
-          <a:srgbClr val="1E3A5F"/>
+          <a:srgbClr val="142A46"/>
         </a:solidFill>
         <a:effectLst/>
       </p:bgPr>
@@ -9298,8 +9299,8 @@
         </p:nvSpPr>
         <p:spPr>
           <a:xfrm>
-            <a:off x="914400" y="2286000"/>
-            <a:ext cx="7315200" cy="1828800"/>
+            <a:off x="457200" y="914400"/>
+            <a:ext cx="8229600" cy="640080"/>
           </a:xfrm>
           <a:prstGeom prst="rect">
             <a:avLst/>
@@ -9307,21 +9308,148 @@
           <a:noFill/>
         </p:spPr>
         <p:txBody>
+          <a:bodyPr wrap="none">
+            <a:spAutoFit/>
+          </a:bodyPr>
+          <a:lstStyle/>
+          <a:p>
+            <a:pPr>
+              <a:defRPr sz="3600" b="1">
+                <a:solidFill>
+                  <a:srgbClr val="C9984A"/>
+                </a:solidFill>
+              </a:defRPr>
+            </a:pPr>
+            <a:r>
+              <a:t>What You Will Learn This Week</a:t>
+            </a:r>
+          </a:p>
+        </p:txBody>
+      </p:sp>
+      <p:sp>
+        <p:nvSpPr>
+          <p:cNvPr id="4" name="TextBox 3"/>
+          <p:cNvSpPr txBox="1"/>
+          <p:nvPr/>
+        </p:nvSpPr>
+        <p:spPr>
+          <a:xfrm>
+            <a:off x="1097280" y="2011680"/>
+            <a:ext cx="6949440" cy="2554545"/>
+          </a:xfrm>
+          <a:prstGeom prst="rect">
+            <a:avLst/>
+          </a:prstGeom>
+          <a:noFill/>
+        </p:spPr>
+        <p:txBody>
           <a:bodyPr wrap="square">
             <a:spAutoFit/>
           </a:bodyPr>
           <a:lstStyle/>
           <a:p>
-            <a:pPr algn="ctr">
-              <a:defRPr sz="4800" b="1">
-                <a:solidFill>
-                  <a:srgbClr val="C9984A"/>
-                </a:solidFill>
-              </a:defRPr>
-            </a:pPr>
-            <a:r>
-              <a:t>What You'll Learn This Week</a:t>
-            </a:r>
+            <a:pPr>
+              <a:spcBef>
+                <a:spcPts val="1000"/>
+              </a:spcBef>
+              <a:spcAft>
+                <a:spcPts val="1000"/>
+              </a:spcAft>
+              <a:defRPr sz="2200">
+                <a:solidFill>
+                  <a:srgbClr val="FFFFFF"/>
+                </a:solidFill>
+              </a:defRPr>
+            </a:pPr>
+            <a:r>
+              <a:rPr lang="en-ZA" dirty="0"/>
+              <a:t>1. </a:t>
+            </a:r>
+            <a:r>
+              <a:rPr dirty="0"/>
+              <a:t>Understand understanding virtualization</a:t>
+            </a:r>
+          </a:p>
+          <a:p>
+            <a:pPr>
+              <a:spcBef>
+                <a:spcPts val="1000"/>
+              </a:spcBef>
+              <a:spcAft>
+                <a:spcPts val="1000"/>
+              </a:spcAft>
+              <a:defRPr sz="2200">
+                <a:solidFill>
+                  <a:srgbClr val="FFFFFF"/>
+                </a:solidFill>
+              </a:defRPr>
+            </a:pPr>
+            <a:r>
+              <a:rPr lang="en-ZA" dirty="0"/>
+              <a:t>2. </a:t>
+            </a:r>
+            <a:r>
+              <a:rPr dirty="0"/>
+              <a:t>Understand </a:t>
+            </a:r>
+            <a:r>
+              <a:rPr lang="en-ZA" dirty="0"/>
+              <a:t> </a:t>
+            </a:r>
+            <a:r>
+              <a:rPr dirty="0"/>
+              <a:t>types of hypervisors</a:t>
+            </a:r>
+          </a:p>
+          <a:p>
+            <a:pPr>
+              <a:spcBef>
+                <a:spcPts val="1000"/>
+              </a:spcBef>
+              <a:spcAft>
+                <a:spcPts val="1000"/>
+              </a:spcAft>
+              <a:defRPr sz="2200">
+                <a:solidFill>
+                  <a:srgbClr val="FFFFFF"/>
+                </a:solidFill>
+              </a:defRPr>
+            </a:pPr>
+            <a:r>
+              <a:rPr lang="en-ZA" dirty="0"/>
+              <a:t>3. </a:t>
+            </a:r>
+            <a:r>
+              <a:rPr dirty="0"/>
+              <a:t>Understand virtual machine anatomy (concepts &amp; components)</a:t>
+            </a:r>
+          </a:p>
+          <a:p>
+            <a:pPr>
+              <a:spcBef>
+                <a:spcPts val="1000"/>
+              </a:spcBef>
+              <a:spcAft>
+                <a:spcPts val="1000"/>
+              </a:spcAft>
+              <a:defRPr sz="2200">
+                <a:solidFill>
+                  <a:srgbClr val="FFFFFF"/>
+                </a:solidFill>
+              </a:defRPr>
+            </a:pPr>
+            <a:r>
+              <a:t>4</a:t>
+            </a:r>
+            <a:r>
+              <a:rPr dirty="0"/>
+              <a:t>. beyond compute: the software defined data center</a:t>
+            </a:r>
+            <a:r>
+              <a:rPr lang="en-ZA" dirty="0"/>
+              <a:t>2. </a:t>
+            </a:r>
+            <a:endParaRPr dirty="0"/>
           </a:p>
         </p:txBody>
       </p:sp>
@@ -9412,7 +9540,7 @@
               </a:defRPr>
             </a:pPr>
             <a:r>
-              <a:t>2.2 Type-2: Hosted Hypervisors (Part 1)</a:t>
+              <a:t>2.1 Type-1: Bare-Metal Hypervisors (Part 4)</a:t>
             </a:r>
           </a:p>
         </p:txBody>
@@ -9453,7 +9581,7 @@
               </a:defRPr>
             </a:pPr>
             <a:r>
-              <a:t>Type-2 hypervisors take a fundamentally different architectural approach.</a:t>
+              <a:t>When a virtual CPU needs to execute instructions, the hypervisor can schedule that vCPU to run directly on a physical CPU core with minimal overhead.</a:t>
             </a:r>
           </a:p>
           <a:p>
@@ -9471,7 +9599,7 @@
               </a:defRPr>
             </a:pPr>
             <a:r>
-              <a:t>Rather than running directly on hardware, a Type-2 hypervisor runs as an application on top of a conventional operating system.</a:t>
+              <a:t>Hardware virtualization extensions like Intel VT-x and AMD-V enable the processor to switch between different virtual machines efficiently, with the hypervisor maintaining control when necessary but allowing VMs to execute at near-native speed most of the time.</a:t>
             </a:r>
           </a:p>
           <a:p>
@@ -9489,7 +9617,7 @@
               </a:defRPr>
             </a:pPr>
             <a:r>
-              <a:t>The host operating system retains control of the physical hardware, and the hypervisor software requests resources from this host OS rather than managing hardware directly.</a:t>
+              <a:t>Security benefits also emerge from the Type-1 architecture.</a:t>
             </a:r>
           </a:p>
           <a:p>
@@ -9507,7 +9635,7 @@
               </a:defRPr>
             </a:pPr>
             <a:r>
-              <a:t>This creates an additional layer in the software stack: physical hardware, host operating system, hypervisor application, and finally the virtual machines.</a:t>
+              <a:t>With no underlying operating system, the attack surface is dramatically reduced compared to Type-2 hypervisors.</a:t>
             </a:r>
           </a:p>
           <a:p>
@@ -9525,7 +9653,7 @@
               </a:defRPr>
             </a:pPr>
             <a:r>
-              <a:t>The layered architecture of Type-2 hypervisors has significant implications.</a:t>
+              <a:t>There is no general-purpose OS with system services, user accounts, or application software that could contain vulnerabilities.</a:t>
             </a:r>
           </a:p>
         </p:txBody>
@@ -9617,7 +9745,7 @@
               </a:defRPr>
             </a:pPr>
             <a:r>
-              <a:t>2.2 Type-2: Hosted Hypervisors (Part 2)</a:t>
+              <a:t>2.1 Type-1: Bare-Metal Hypervisors (Part 5)</a:t>
             </a:r>
           </a:p>
         </p:txBody>
@@ -9658,7 +9786,7 @@
               </a:defRPr>
             </a:pPr>
             <a:r>
-              <a:t>When a VM running on a Type-2 hypervisor needs to perform an operation, the request passes through multiple layers.</a:t>
+              <a:t>The hypervisor is purpose-built for virtualization, with a minimal codebase focused solely on managing virtual machines, which reduces the potential for security flaws.</a:t>
             </a:r>
           </a:p>
           <a:p>
@@ -9676,7 +9804,7 @@
               </a:defRPr>
             </a:pPr>
             <a:r>
-              <a:t>For example, a disk write operation initiated by a guest OS goes to the virtual disk controller, which the hypervisor application handles by making system calls to the host operating system, which then interacts with the physical storage hardware.</a:t>
+              <a:t>Type-1 hypervisors are the standard choice for production server environments, data centers, and cloud infrastructure.</a:t>
             </a:r>
           </a:p>
           <a:p>
@@ -9694,7 +9822,7 @@
               </a:defRPr>
             </a:pPr>
             <a:r>
-              <a:t>Each layer adds processing overhead and context switching, resulting in reduced performance compared to Type-1 hypervisors.</a:t>
+              <a:t>They excel in scenarios where performance, reliability, and resource efficiency are paramount.</a:t>
             </a:r>
           </a:p>
           <a:p>
@@ -9712,25 +9840,7 @@
               </a:defRPr>
             </a:pPr>
             <a:r>
-              <a:t>Common examples of Type-2 hypervisors include Oracle VirtualBox, which is widely used for desktop virtualization and testing, VMware Workstation, which provides advanced features for developers and testers on Windows and Linux hosts, and Parallels Desktop, which enables macOS users to run Windows and Linux virtual machines.</a:t>
-            </a:r>
-          </a:p>
-          <a:p>
-            <a:pPr>
-              <a:spcBef>
-                <a:spcPts val="800"/>
-              </a:spcBef>
-              <a:spcAft>
-                <a:spcPts val="800"/>
-              </a:spcAft>
-              <a:defRPr sz="2000">
-                <a:solidFill>
-                  <a:srgbClr val="FFFFFF"/>
-                </a:solidFill>
-              </a:defRPr>
-            </a:pPr>
-            <a:r>
-              <a:t>These products are designed primarily for desktop and development use cases rather than production server deployments.</a:t>
+              <a:t>Organizations running business-critical applications, operating 24/7 services, or managing large-scale virtualization deployments invariably choose Type-1 hypervisors for their infrastructure.</a:t>
             </a:r>
           </a:p>
         </p:txBody>
@@ -9822,7 +9932,7 @@
               </a:defRPr>
             </a:pPr>
             <a:r>
-              <a:t>2.2 Type-2: Hosted Hypervisors (Part 3)</a:t>
+              <a:t>2.2 Type-2: Hosted Hypervisors (Part 1)</a:t>
             </a:r>
           </a:p>
         </p:txBody>
@@ -9863,7 +9973,7 @@
               </a:defRPr>
             </a:pPr>
             <a:r>
-              <a:t>The major advantage of Type-2 hypervisors is their accessibility and ease of use.</a:t>
+              <a:t>Type-2 hypervisors take a fundamentally different architectural approach.</a:t>
             </a:r>
           </a:p>
           <a:p>
@@ -9881,7 +9991,7 @@
               </a:defRPr>
             </a:pPr>
             <a:r>
-              <a:t>Installation involves downloading the hypervisor software and running a standard installation wizard on your existing operating system, whether Windows, macOS, or Linux.</a:t>
+              <a:t>Rather than running directly on hardware, a Type-2 hypervisor runs as an application on top of a conventional operating system.</a:t>
             </a:r>
           </a:p>
           <a:p>
@@ -9899,7 +10009,7 @@
               </a:defRPr>
             </a:pPr>
             <a:r>
-              <a:t>There is no need to dedicate the entire physical machine to virtualization; you can continue using your computer normally while running virtual machines when needed.</a:t>
+              <a:t>The host operating system retains control of the physical hardware, and the hypervisor software requests resources from this host OS rather than managing hardware directly.</a:t>
             </a:r>
           </a:p>
           <a:p>
@@ -9917,7 +10027,7 @@
               </a:defRPr>
             </a:pPr>
             <a:r>
-              <a:t>This makes Type-2 hypervisors excellent choices for developers who need to test software on different operating systems, IT professionals learning virtualization concepts, or users who occasionally need to run applications from different operating systems.</a:t>
+              <a:t>This creates an additional layer in the software stack: physical hardware, host operating system, hypervisor application, and finally the virtual machines.</a:t>
             </a:r>
           </a:p>
           <a:p>
@@ -9935,7 +10045,7 @@
               </a:defRPr>
             </a:pPr>
             <a:r>
-              <a:t>However, Type-2 hypervisors have clear limitations.</a:t>
+              <a:t>The layered architecture of Type-2 hypervisors has significant implications.</a:t>
             </a:r>
           </a:p>
         </p:txBody>
@@ -10027,7 +10137,7 @@
               </a:defRPr>
             </a:pPr>
             <a:r>
-              <a:t>2.2 Type-2: Hosted Hypervisors (Part 4)</a:t>
+              <a:t>2.2 Type-2: Hosted Hypervisors (Part 2)</a:t>
             </a:r>
           </a:p>
         </p:txBody>
@@ -10068,7 +10178,7 @@
               </a:defRPr>
             </a:pPr>
             <a:r>
-              <a:t>The performance overhead from the additional OS layer makes them unsuitable for performance-sensitive production workloads.</a:t>
+              <a:t>When a VM running on a Type-2 hypervisor needs to perform an operation, the request passes through multiple layers.</a:t>
             </a:r>
           </a:p>
           <a:p>
@@ -10086,7 +10196,7 @@
               </a:defRPr>
             </a:pPr>
             <a:r>
-              <a:t>The host operating system consumes significant resources that are therefore unavailable to virtual machines.</a:t>
+              <a:t>For example, a disk write operation initiated by a guest OS goes to the virtual disk controller, which the hypervisor application handles by making system calls to the host operating system, which then interacts with the physical storage hardware.</a:t>
             </a:r>
           </a:p>
           <a:p>
@@ -10104,7 +10214,7 @@
               </a:defRPr>
             </a:pPr>
             <a:r>
-              <a:t>If the host OS experiences problems or requires maintenance and reboots, all running VMs are affected.</a:t>
+              <a:t>Each layer adds processing overhead and context switching, resulting in reduced performance compared to Type-1 hypervisors.</a:t>
             </a:r>
           </a:p>
           <a:p>
@@ -10122,7 +10232,7 @@
               </a:defRPr>
             </a:pPr>
             <a:r>
-              <a:t>These factors make Type-2 hypervisors inappropriate for production server deployments where reliability and performance are critical.</a:t>
+              <a:t>Common examples of Type-2 hypervisors include Oracle VirtualBox, which is widely used for desktop virtualization and testing, VMware Workstation, which provides advanced features for developers and testers on Windows and Linux hosts, and Parallels Desktop, which enables macOS users to run Windows and Linux virtual machines.</a:t>
             </a:r>
           </a:p>
           <a:p>
@@ -10140,7 +10250,7 @@
               </a:defRPr>
             </a:pPr>
             <a:r>
-              <a:t>The distinction between Type-1 and Type-2 hypervisors is fundamental to understanding virtualization architecture.</a:t>
+              <a:t>These products are designed primarily for desktop and development use cases rather than production server deployments.</a:t>
             </a:r>
           </a:p>
         </p:txBody>
@@ -10232,7 +10342,7 @@
               </a:defRPr>
             </a:pPr>
             <a:r>
-              <a:t>2.2 Type-2: Hosted Hypervisors (Part 5)</a:t>
+              <a:t>2.2 Type-2: Hosted Hypervisors (Part 3)</a:t>
             </a:r>
           </a:p>
         </p:txBody>
@@ -10273,7 +10383,7 @@
               </a:defRPr>
             </a:pPr>
             <a:r>
-              <a:t>Type-1 hypervisors represent the professional, production-grade approach optimized for performance and reliability at the cost of dedicating hardware to virtualization.</a:t>
+              <a:t>The major advantage of Type-2 hypervisors is their accessibility and ease of use.</a:t>
             </a:r>
           </a:p>
           <a:p>
@@ -10291,7 +10401,7 @@
               </a:defRPr>
             </a:pPr>
             <a:r>
-              <a:t>Type-2 hypervisors represent a more accessible, flexible approach suitable for development, testing, and learning, accepting performance trade-offs in exchange for the convenience of running on an existing desktop operating system.</a:t>
+              <a:t>Installation involves downloading the hypervisor software and running a standard installation wizard on your existing operating system, whether Windows, macOS, or Linux.</a:t>
             </a:r>
           </a:p>
           <a:p>
@@ -10309,7 +10419,43 @@
               </a:defRPr>
             </a:pPr>
             <a:r>
-              <a:t>For this course, we use Proxmox VE, a Type-1 hypervisor, because it provides professional-grade capabilities while remaining accessible for learning purposes.</a:t>
+              <a:t>There is no need to dedicate the entire physical machine to virtualization; you can continue using your computer normally while running virtual machines when needed.</a:t>
+            </a:r>
+          </a:p>
+          <a:p>
+            <a:pPr>
+              <a:spcBef>
+                <a:spcPts val="800"/>
+              </a:spcBef>
+              <a:spcAft>
+                <a:spcPts val="800"/>
+              </a:spcAft>
+              <a:defRPr sz="2000">
+                <a:solidFill>
+                  <a:srgbClr val="FFFFFF"/>
+                </a:solidFill>
+              </a:defRPr>
+            </a:pPr>
+            <a:r>
+              <a:t>This makes Type-2 hypervisors excellent choices for developers who need to test software on different operating systems, IT professionals learning virtualization concepts, or users who occasionally need to run applications from different operating systems.</a:t>
+            </a:r>
+          </a:p>
+          <a:p>
+            <a:pPr>
+              <a:spcBef>
+                <a:spcPts val="800"/>
+              </a:spcBef>
+              <a:spcAft>
+                <a:spcPts val="800"/>
+              </a:spcAft>
+              <a:defRPr sz="2000">
+                <a:solidFill>
+                  <a:srgbClr val="FFFFFF"/>
+                </a:solidFill>
+              </a:defRPr>
+            </a:pPr>
+            <a:r>
+              <a:t>However, Type-2 hypervisors have clear limitations.</a:t>
             </a:r>
           </a:p>
         </p:txBody>
@@ -10401,7 +10547,7 @@
               </a:defRPr>
             </a:pPr>
             <a:r>
-              <a:t>Section 2 Checkpoint (Part 1)</a:t>
+              <a:t>2.2 Type-2: Hosted Hypervisors (Part 4)</a:t>
             </a:r>
           </a:p>
         </p:txBody>
@@ -10442,7 +10588,7 @@
               </a:defRPr>
             </a:pPr>
             <a:r>
-              <a:t>Type-1 (Bare Metal): Runs directly on hardware (Proxmox, ESXi). Best for performance/security.</a:t>
+              <a:t>The performance overhead from the additional OS layer makes them unsuitable for performance-sensitive production workloads.</a:t>
             </a:r>
           </a:p>
           <a:p>
@@ -10460,7 +10606,7 @@
               </a:defRPr>
             </a:pPr>
             <a:r>
-              <a:t>Type-2 (Hosted): Runs as an app on an OS (VirtualBox). Best for testing/desktops.</a:t>
+              <a:t>The host operating system consumes significant resources that are therefore unavailable to virtual machines.</a:t>
             </a:r>
           </a:p>
           <a:p>
@@ -10478,7 +10624,7 @@
               </a:defRPr>
             </a:pPr>
             <a:r>
-              <a:t>Major trade-off is Performance vs. Convenience.</a:t>
+              <a:t>If the host OS experiences problems or requires maintenance and reboots, all running VMs are affected.</a:t>
             </a:r>
           </a:p>
           <a:p>
@@ -10496,7 +10642,7 @@
               </a:defRPr>
             </a:pPr>
             <a:r>
-              <a:t>In what specific scenario would a Type-2 hypervisor be preferred over Type-1?</a:t>
+              <a:t>These factors make Type-2 hypervisors inappropriate for production server deployments where reliability and performance are critical.</a:t>
             </a:r>
           </a:p>
           <a:p>
@@ -10514,7 +10660,7 @@
               </a:defRPr>
             </a:pPr>
             <a:r>
-              <a:t>Why is the "attack surface" of a Type-1 hypervisor considered smaller?</a:t>
+              <a:t>The distinction between Type-1 and Type-2 hypervisors is fundamental to understanding virtualization architecture.</a:t>
             </a:r>
           </a:p>
         </p:txBody>
@@ -10606,7 +10752,7 @@
               </a:defRPr>
             </a:pPr>
             <a:r>
-              <a:t>Section 2 Checkpoint (Part 2)</a:t>
+              <a:t>2.2 Type-2: Hosted Hypervisors (Part 5)</a:t>
             </a:r>
           </a:p>
         </p:txBody>
@@ -10647,7 +10793,43 @@
               </a:defRPr>
             </a:pPr>
             <a:r>
-              <a:t>VMware: Type 1 vs Type 2 Hypervisors</a:t>
+              <a:t>Type-1 hypervisors represent the professional, production-grade approach optimized for performance and reliability at the cost of dedicating hardware to virtualization.</a:t>
+            </a:r>
+          </a:p>
+          <a:p>
+            <a:pPr>
+              <a:spcBef>
+                <a:spcPts val="800"/>
+              </a:spcBef>
+              <a:spcAft>
+                <a:spcPts val="800"/>
+              </a:spcAft>
+              <a:defRPr sz="2000">
+                <a:solidFill>
+                  <a:srgbClr val="FFFFFF"/>
+                </a:solidFill>
+              </a:defRPr>
+            </a:pPr>
+            <a:r>
+              <a:t>Type-2 hypervisors represent a more accessible, flexible approach suitable for development, testing, and learning, accepting performance trade-offs in exchange for the convenience of running on an existing desktop operating system.</a:t>
+            </a:r>
+          </a:p>
+          <a:p>
+            <a:pPr>
+              <a:spcBef>
+                <a:spcPts val="800"/>
+              </a:spcBef>
+              <a:spcAft>
+                <a:spcPts val="800"/>
+              </a:spcAft>
+              <a:defRPr sz="2000">
+                <a:solidFill>
+                  <a:srgbClr val="FFFFFF"/>
+                </a:solidFill>
+              </a:defRPr>
+            </a:pPr>
+            <a:r>
+              <a:t>For this course, we use Proxmox VE, a Type-1 hypervisor, because it provides professional-grade capabilities while remaining accessible for learning purposes.</a:t>
             </a:r>
           </a:p>
         </p:txBody>
@@ -10666,7 +10848,7 @@
     <p:bg>
       <p:bgPr>
         <a:solidFill>
-          <a:srgbClr val="1E3A5F"/>
+          <a:srgbClr val="142A46"/>
         </a:solidFill>
         <a:effectLst/>
       </p:bgPr>
@@ -10694,7 +10876,7 @@
           <p:nvPr/>
         </p:nvPicPr>
         <p:blipFill>
-          <a:blip r:embed="rId2"/>
+          <a:blip r:embed="rId3"/>
           <a:stretch>
             <a:fillRect/>
           </a:stretch>
@@ -10717,8 +10899,8 @@
         </p:nvSpPr>
         <p:spPr>
           <a:xfrm>
-            <a:off x="914400" y="2286000"/>
-            <a:ext cx="7315200" cy="1828800"/>
+            <a:off x="457200" y="914400"/>
+            <a:ext cx="8229600" cy="640080"/>
           </a:xfrm>
           <a:prstGeom prst="rect">
             <a:avLst/>
@@ -10726,20 +10908,133 @@
           <a:noFill/>
         </p:spPr>
         <p:txBody>
+          <a:bodyPr wrap="none">
+            <a:spAutoFit/>
+          </a:bodyPr>
+          <a:lstStyle/>
+          <a:p>
+            <a:pPr>
+              <a:defRPr sz="3200" b="1">
+                <a:solidFill>
+                  <a:srgbClr val="C9984A"/>
+                </a:solidFill>
+              </a:defRPr>
+            </a:pPr>
+            <a:r>
+              <a:t>Section 2 Checkpoint (Part 1)</a:t>
+            </a:r>
+          </a:p>
+        </p:txBody>
+      </p:sp>
+      <p:sp>
+        <p:nvSpPr>
+          <p:cNvPr id="4" name="TextBox 3"/>
+          <p:cNvSpPr txBox="1"/>
+          <p:nvPr/>
+        </p:nvSpPr>
+        <p:spPr>
+          <a:xfrm>
+            <a:off x="731520" y="1737360"/>
+            <a:ext cx="7680960" cy="4389120"/>
+          </a:xfrm>
+          <a:prstGeom prst="rect">
+            <a:avLst/>
+          </a:prstGeom>
+          <a:noFill/>
+        </p:spPr>
+        <p:txBody>
           <a:bodyPr wrap="square">
             <a:spAutoFit/>
           </a:bodyPr>
           <a:lstStyle/>
           <a:p>
-            <a:pPr algn="ctr">
-              <a:defRPr sz="4800" b="1">
-                <a:solidFill>
-                  <a:srgbClr val="C9984A"/>
-                </a:solidFill>
-              </a:defRPr>
-            </a:pPr>
-            <a:r>
-              <a:t>3. Virtual Machine Anatomy (Concepts &amp; Components)</a:t>
+            <a:pPr>
+              <a:spcBef>
+                <a:spcPts val="800"/>
+              </a:spcBef>
+              <a:spcAft>
+                <a:spcPts val="800"/>
+              </a:spcAft>
+              <a:defRPr sz="2000">
+                <a:solidFill>
+                  <a:srgbClr val="FFFFFF"/>
+                </a:solidFill>
+              </a:defRPr>
+            </a:pPr>
+            <a:r>
+              <a:t>Type-1 (Bare Metal): Runs directly on hardware (Proxmox, ESXi). Best for performance/security.</a:t>
+            </a:r>
+          </a:p>
+          <a:p>
+            <a:pPr>
+              <a:spcBef>
+                <a:spcPts val="800"/>
+              </a:spcBef>
+              <a:spcAft>
+                <a:spcPts val="800"/>
+              </a:spcAft>
+              <a:defRPr sz="2000">
+                <a:solidFill>
+                  <a:srgbClr val="FFFFFF"/>
+                </a:solidFill>
+              </a:defRPr>
+            </a:pPr>
+            <a:r>
+              <a:t>Type-2 (Hosted): Runs as an app on an OS (VirtualBox). Best for testing/desktops.</a:t>
+            </a:r>
+          </a:p>
+          <a:p>
+            <a:pPr>
+              <a:spcBef>
+                <a:spcPts val="800"/>
+              </a:spcBef>
+              <a:spcAft>
+                <a:spcPts val="800"/>
+              </a:spcAft>
+              <a:defRPr sz="2000">
+                <a:solidFill>
+                  <a:srgbClr val="FFFFFF"/>
+                </a:solidFill>
+              </a:defRPr>
+            </a:pPr>
+            <a:r>
+              <a:t>Major trade-off is Performance vs. Convenience.</a:t>
+            </a:r>
+          </a:p>
+          <a:p>
+            <a:pPr>
+              <a:spcBef>
+                <a:spcPts val="800"/>
+              </a:spcBef>
+              <a:spcAft>
+                <a:spcPts val="800"/>
+              </a:spcAft>
+              <a:defRPr sz="2000">
+                <a:solidFill>
+                  <a:srgbClr val="FFFFFF"/>
+                </a:solidFill>
+              </a:defRPr>
+            </a:pPr>
+            <a:r>
+              <a:t>In what specific scenario would a Type-2 hypervisor be preferred over Type-1?</a:t>
+            </a:r>
+          </a:p>
+          <a:p>
+            <a:pPr>
+              <a:spcBef>
+                <a:spcPts val="800"/>
+              </a:spcBef>
+              <a:spcAft>
+                <a:spcPts val="800"/>
+              </a:spcAft>
+              <a:defRPr sz="2000">
+                <a:solidFill>
+                  <a:srgbClr val="FFFFFF"/>
+                </a:solidFill>
+              </a:defRPr>
+            </a:pPr>
+            <a:r>
+              <a:t>Why is the "attack surface" of a Type-1 hypervisor considered smaller?</a:t>
             </a:r>
           </a:p>
         </p:txBody>
@@ -10831,7 +11126,7 @@
               </a:defRPr>
             </a:pPr>
             <a:r>
-              <a:t>3.1 The Virtual CPU (vCPU) (Part 1)</a:t>
+              <a:t>Section 2 Checkpoint (Part 2)</a:t>
             </a:r>
           </a:p>
         </p:txBody>
@@ -10872,79 +11167,7 @@
               </a:defRPr>
             </a:pPr>
             <a:r>
-              <a:t>The most critical resource for any computer is its processor.</a:t>
-            </a:r>
-          </a:p>
-          <a:p>
-            <a:pPr>
-              <a:spcBef>
-                <a:spcPts val="800"/>
-              </a:spcBef>
-              <a:spcAft>
-                <a:spcPts val="800"/>
-              </a:spcAft>
-              <a:defRPr sz="2000">
-                <a:solidFill>
-                  <a:srgbClr val="FFFFFF"/>
-                </a:solidFill>
-              </a:defRPr>
-            </a:pPr>
-            <a:r>
-              <a:t>The vCPU is the processing unit of your virtual machine, allowing the guest operating system to execute instructions as if it had exclusive access to a core.</a:t>
-            </a:r>
-          </a:p>
-          <a:p>
-            <a:pPr>
-              <a:spcBef>
-                <a:spcPts val="800"/>
-              </a:spcBef>
-              <a:spcAft>
-                <a:spcPts val="800"/>
-              </a:spcAft>
-              <a:defRPr sz="2000">
-                <a:solidFill>
-                  <a:srgbClr val="FFFFFF"/>
-                </a:solidFill>
-              </a:defRPr>
-            </a:pPr>
-            <a:r>
-              <a:t>In reality, the hypervisor schedules the vCPU on a physical CPU core for short durations, known as time-slicing.</a:t>
-            </a:r>
-          </a:p>
-          <a:p>
-            <a:pPr>
-              <a:spcBef>
-                <a:spcPts val="800"/>
-              </a:spcBef>
-              <a:spcAft>
-                <a:spcPts val="800"/>
-              </a:spcAft>
-              <a:defRPr sz="2000">
-                <a:solidFill>
-                  <a:srgbClr val="FFFFFF"/>
-                </a:solidFill>
-              </a:defRPr>
-            </a:pPr>
-            <a:r>
-              <a:t>A critical rule in virtualization is to never allocate more vCPUs than you have physical cores.</a:t>
-            </a:r>
-          </a:p>
-          <a:p>
-            <a:pPr>
-              <a:spcBef>
-                <a:spcPts val="800"/>
-              </a:spcBef>
-              <a:spcAft>
-                <a:spcPts val="800"/>
-              </a:spcAft>
-              <a:defRPr sz="2000">
-                <a:solidFill>
-                  <a:srgbClr val="FFFFFF"/>
-                </a:solidFill>
-              </a:defRPr>
-            </a:pPr>
-            <a:r>
-              <a:t>Violating this leads to "CPU Contention," where multiple VMs fight for the scheduler's attention, causing significant performance degradation across the entire system.</a:t>
+              <a:t>VMware: Type 1 vs Type 2 Hypervisors</a:t>
             </a:r>
           </a:p>
         </p:txBody>
@@ -10963,7 +11186,7 @@
     <p:bg>
       <p:bgPr>
         <a:solidFill>
-          <a:srgbClr val="142A46"/>
+          <a:srgbClr val="1E3A5F"/>
         </a:solidFill>
         <a:effectLst/>
       </p:bgPr>
@@ -10991,7 +11214,7 @@
           <p:nvPr/>
         </p:nvPicPr>
         <p:blipFill>
-          <a:blip r:embed="rId3"/>
+          <a:blip r:embed="rId2"/>
           <a:stretch>
             <a:fillRect/>
           </a:stretch>
@@ -11014,8 +11237,8 @@
         </p:nvSpPr>
         <p:spPr>
           <a:xfrm>
-            <a:off x="457200" y="914400"/>
-            <a:ext cx="8229600" cy="640080"/>
+            <a:off x="914400" y="2286000"/>
+            <a:ext cx="7315200" cy="1828800"/>
           </a:xfrm>
           <a:prstGeom prst="rect">
             <a:avLst/>
@@ -11023,115 +11246,20 @@
           <a:noFill/>
         </p:spPr>
         <p:txBody>
-          <a:bodyPr wrap="none">
-            <a:spAutoFit/>
-          </a:bodyPr>
-          <a:lstStyle/>
-          <a:p>
-            <a:pPr>
-              <a:defRPr sz="3200" b="1">
-                <a:solidFill>
-                  <a:srgbClr val="C9984A"/>
-                </a:solidFill>
-              </a:defRPr>
-            </a:pPr>
-            <a:r>
-              <a:t>3.1 The Virtual CPU (vCPU) (Part 2)</a:t>
-            </a:r>
-          </a:p>
-        </p:txBody>
-      </p:sp>
-      <p:sp>
-        <p:nvSpPr>
-          <p:cNvPr id="4" name="TextBox 3"/>
-          <p:cNvSpPr txBox="1"/>
-          <p:nvPr/>
-        </p:nvSpPr>
-        <p:spPr>
-          <a:xfrm>
-            <a:off x="731520" y="1737360"/>
-            <a:ext cx="7680960" cy="4389120"/>
-          </a:xfrm>
-          <a:prstGeom prst="rect">
-            <a:avLst/>
-          </a:prstGeom>
-          <a:noFill/>
-        </p:spPr>
-        <p:txBody>
           <a:bodyPr wrap="square">
             <a:spAutoFit/>
           </a:bodyPr>
           <a:lstStyle/>
           <a:p>
-            <a:pPr>
-              <a:spcBef>
-                <a:spcPts val="800"/>
-              </a:spcBef>
-              <a:spcAft>
-                <a:spcPts val="800"/>
-              </a:spcAft>
-              <a:defRPr sz="2000">
-                <a:solidFill>
-                  <a:srgbClr val="FFFFFF"/>
-                </a:solidFill>
-              </a:defRPr>
-            </a:pPr>
-            <a:r>
-              <a:t>When configuring local resources, you must also choose a CPU Type.</a:t>
-            </a:r>
-          </a:p>
-          <a:p>
-            <a:pPr>
-              <a:spcBef>
-                <a:spcPts val="800"/>
-              </a:spcBef>
-              <a:spcAft>
-                <a:spcPts val="800"/>
-              </a:spcAft>
-              <a:defRPr sz="2000">
-                <a:solidFill>
-                  <a:srgbClr val="FFFFFF"/>
-                </a:solidFill>
-              </a:defRPr>
-            </a:pPr>
-            <a:r>
-              <a:t>The Host Mode passes your exact physical CPU model and instruction set to the VM, offering maximum performance and transparency.</a:t>
-            </a:r>
-          </a:p>
-          <a:p>
-            <a:pPr>
-              <a:spcBef>
-                <a:spcPts val="800"/>
-              </a:spcBef>
-              <a:spcAft>
-                <a:spcPts val="800"/>
-              </a:spcAft>
-              <a:defRPr sz="2000">
-                <a:solidFill>
-                  <a:srgbClr val="FFFFFF"/>
-                </a:solidFill>
-              </a:defRPr>
-            </a:pPr>
-            <a:r>
-              <a:t>However, this restricts portability; a VM created in Host Mode on an Intel server may crash if migrated to an AMD server.</a:t>
-            </a:r>
-          </a:p>
-          <a:p>
-            <a:pPr>
-              <a:spcBef>
-                <a:spcPts val="800"/>
-              </a:spcBef>
-              <a:spcAft>
-                <a:spcPts val="800"/>
-              </a:spcAft>
-              <a:defRPr sz="2000">
-                <a:solidFill>
-                  <a:srgbClr val="FFFFFF"/>
-                </a:solidFill>
-              </a:defRPr>
-            </a:pPr>
-            <a:r>
-              <a:t>Alternatively, the Generic (kvm64) type presents a standard, simplified processor to the VM, guaranteeing it can run on any hardware at the cost of some performance optimizations.</a:t>
+            <a:pPr algn="ctr">
+              <a:defRPr sz="4800" b="1">
+                <a:solidFill>
+                  <a:srgbClr val="C9984A"/>
+                </a:solidFill>
+              </a:defRPr>
+            </a:pPr>
+            <a:r>
+              <a:t>3. Virtual Machine Anatomy (Concepts &amp; Components)</a:t>
             </a:r>
           </a:p>
         </p:txBody>
@@ -11223,7 +11351,7 @@
               </a:defRPr>
             </a:pPr>
             <a:r>
-              <a:t>1. Understanding Virtualization</a:t>
+              <a:t>Welcome to Week 1!</a:t>
             </a:r>
           </a:p>
         </p:txBody>
@@ -11315,7 +11443,7 @@
               </a:defRPr>
             </a:pPr>
             <a:r>
-              <a:t>3.2 Virtual RAM (vRAM)</a:t>
+              <a:t>3.1 The Virtual CPU (vCPU) (Part 1)</a:t>
             </a:r>
           </a:p>
         </p:txBody>
@@ -11356,7 +11484,7 @@
               </a:defRPr>
             </a:pPr>
             <a:r>
-              <a:t>While CPU time can be shared, memory is a finite resource.</a:t>
+              <a:t>The most critical resource for any computer is its processor.</a:t>
             </a:r>
           </a:p>
           <a:p>
@@ -11374,7 +11502,7 @@
               </a:defRPr>
             </a:pPr>
             <a:r>
-              <a:t>vRAM differs significantly from vCPU allocation because memory cannot be easily time-sliced.</a:t>
+              <a:t>The vCPU is the processing unit of your virtual machine, allowing the guest operating system to execute instructions as if it had exclusive access to a core.</a:t>
             </a:r>
           </a:p>
           <a:p>
@@ -11392,7 +11520,7 @@
               </a:defRPr>
             </a:pPr>
             <a:r>
-              <a:t>When you assign vRAM, the hypervisor allocates a dedicated block of physical RAM to that VM.</a:t>
+              <a:t>In reality, the hypervisor schedules the vCPU on a physical CPU core for short durations, known as time-slicing.</a:t>
             </a:r>
           </a:p>
           <a:p>
@@ -11410,7 +11538,7 @@
               </a:defRPr>
             </a:pPr>
             <a:r>
-              <a:t>Therefore, the golden rule of memory allocation is to never over-commit RAM.</a:t>
+              <a:t>A critical rule in virtualization is to never allocate more vCPUs than you have physical cores.</a:t>
             </a:r>
           </a:p>
           <a:p>
@@ -11428,7 +11556,7 @@
               </a:defRPr>
             </a:pPr>
             <a:r>
-              <a:t>Unlike CPU cycles, which can be queued, RAM is a hard limit.</a:t>
+              <a:t>Violating this leads to "CPU Contention," where multiple VMs fight for the scheduler's attention, causing significant performance degradation across the entire system.</a:t>
             </a:r>
           </a:p>
         </p:txBody>
@@ -11520,7 +11648,7 @@
               </a:defRPr>
             </a:pPr>
             <a:r>
-              <a:t>3.3 Virtual Disk (Storage)</a:t>
+              <a:t>3.1 The Virtual CPU (vCPU) (Part 2)</a:t>
             </a:r>
           </a:p>
         </p:txBody>
@@ -11561,7 +11689,7 @@
               </a:defRPr>
             </a:pPr>
             <a:r>
-              <a:t>Once processing and memory are handled, a VM needs a place to persist data.</a:t>
+              <a:t>When configuring local resources, you must also choose a CPU Type.</a:t>
             </a:r>
           </a:p>
           <a:p>
@@ -11579,7 +11707,7 @@
               </a:defRPr>
             </a:pPr>
             <a:r>
-              <a:t>To a virtual machine, the vDisk appears as a standard SATA or SCSI hard drive, but to the hypervisor, it is simply a file (encapsulation).</a:t>
+              <a:t>The Host Mode passes your exact physical CPU model and instruction set to the VM, offering maximum performance and transparency.</a:t>
             </a:r>
           </a:p>
           <a:p>
@@ -11597,7 +11725,7 @@
               </a:defRPr>
             </a:pPr>
             <a:r>
-              <a:t>This makes backing up a VM as simple as copying a file.</a:t>
+              <a:t>However, this restricts portability; a VM created in Host Mode on an Intel server may crash if migrated to an AMD server.</a:t>
             </a:r>
           </a:p>
           <a:p>
@@ -11615,25 +11743,7 @@
               </a:defRPr>
             </a:pPr>
             <a:r>
-              <a:t>Administrators must choose between two provisioning methods.</a:t>
-            </a:r>
-          </a:p>
-          <a:p>
-            <a:pPr>
-              <a:spcBef>
-                <a:spcPts val="800"/>
-              </a:spcBef>
-              <a:spcAft>
-                <a:spcPts val="800"/>
-              </a:spcAft>
-              <a:defRPr sz="2000">
-                <a:solidFill>
-                  <a:srgbClr val="FFFFFF"/>
-                </a:solidFill>
-              </a:defRPr>
-            </a:pPr>
-            <a:r>
-              <a:t>Thin Provisioning (QCOW2) creates a file that starts small and grows only as data is written, making it space-efficient but requiring careful monitoring to prevent filling the physical storage.</a:t>
+              <a:t>Alternatively, the Generic (kvm64) type presents a standard, simplified processor to the VM, guaranteeing it can run on any hardware at the cost of some performance optimizations.</a:t>
             </a:r>
           </a:p>
         </p:txBody>
@@ -11725,7 +11835,7 @@
               </a:defRPr>
             </a:pPr>
             <a:r>
-              <a:t>3.4 Virtual Network Interface (vNIC)</a:t>
+              <a:t>3.2 Virtual RAM (vRAM)</a:t>
             </a:r>
           </a:p>
         </p:txBody>
@@ -11766,7 +11876,7 @@
               </a:defRPr>
             </a:pPr>
             <a:r>
-              <a:t>Finally, for a VM to communicate with the outside world, it requires a vNIC.</a:t>
+              <a:t>While CPU time can be shared, memory is a finite resource.</a:t>
             </a:r>
           </a:p>
           <a:p>
@@ -11784,7 +11894,7 @@
               </a:defRPr>
             </a:pPr>
             <a:r>
-              <a:t>This component connects the VM to a virtual switch (Bridge) on the host, acting as the bridge between the virtual and physical networks.</a:t>
+              <a:t>vRAM differs significantly from vCPU allocation because memory cannot be easily time-sliced.</a:t>
             </a:r>
           </a:p>
           <a:p>
@@ -11802,7 +11912,7 @@
               </a:defRPr>
             </a:pPr>
             <a:r>
-              <a:t>You will typically choose between two types of interfaces.</a:t>
+              <a:t>When you assign vRAM, the hypervisor allocates a dedicated block of physical RAM to that VM.</a:t>
             </a:r>
           </a:p>
           <a:p>
@@ -11820,7 +11930,7 @@
               </a:defRPr>
             </a:pPr>
             <a:r>
-              <a:t>The Emulated (E1000) interface mimics a real Intel network card, ensuring compatibility with almost any operating system out of the box, though it incurs higher CPU overhead.</a:t>
+              <a:t>Therefore, the golden rule of memory allocation is to never over-commit RAM.</a:t>
             </a:r>
           </a:p>
           <a:p>
@@ -11838,7 +11948,7 @@
               </a:defRPr>
             </a:pPr>
             <a:r>
-              <a:t>For performance-critical workloads, the Paravirtualized (VirtIO) interface is preferred; it is a software-defined card designed specifically for virtualization that works directly with the hypervisor to achieve network speeds often exceeding 10Gbps, though it requires specific drivers in the guest OS.</a:t>
+              <a:t>Unlike CPU cycles, which can be queued, RAM is a hard limit.</a:t>
             </a:r>
           </a:p>
         </p:txBody>
@@ -11930,7 +12040,7 @@
               </a:defRPr>
             </a:pPr>
             <a:r>
-              <a:t>Section 3 Checkpoint (Part 1)</a:t>
+              <a:t>3.3 Virtual Disk (Storage)</a:t>
             </a:r>
           </a:p>
         </p:txBody>
@@ -11971,7 +12081,7 @@
               </a:defRPr>
             </a:pPr>
             <a:r>
-              <a:t>vCPU: Do not over-allocate cores. Use 'Host' type for speed.</a:t>
+              <a:t>Once processing and memory are handled, a VM needs a place to persist data.</a:t>
             </a:r>
           </a:p>
           <a:p>
@@ -11989,7 +12099,7 @@
               </a:defRPr>
             </a:pPr>
             <a:r>
-              <a:t>vRAM: RAM is a hard limit. Do not over-commit.</a:t>
+              <a:t>To a virtual machine, the vDisk appears as a standard SATA or SCSI hard drive, but to the hypervisor, it is simply a file (encapsulation).</a:t>
             </a:r>
           </a:p>
           <a:p>
@@ -12007,7 +12117,7 @@
               </a:defRPr>
             </a:pPr>
             <a:r>
-              <a:t>vDisk: RAW is fast (Thick), QCOW2 is flexible (Thin).</a:t>
+              <a:t>This makes backing up a VM as simple as copying a file.</a:t>
             </a:r>
           </a:p>
           <a:p>
@@ -12025,7 +12135,7 @@
               </a:defRPr>
             </a:pPr>
             <a:r>
-              <a:t>vNIC: Use VirtIO for performance, E1000 for compatibility.</a:t>
+              <a:t>Administrators must choose between two provisioning methods.</a:t>
             </a:r>
           </a:p>
           <a:p>
@@ -12043,7 +12153,7 @@
               </a:defRPr>
             </a:pPr>
             <a:r>
-              <a:t>Why is "Thin Provisioning" dangerous if you are not monitoring your storage?</a:t>
+              <a:t>Thin Provisioning (QCOW2) creates a file that starts small and grows only as data is written, making it space-efficient but requiring careful monitoring to prevent filling the physical storage.</a:t>
             </a:r>
           </a:p>
         </p:txBody>
@@ -12135,7 +12245,7 @@
               </a:defRPr>
             </a:pPr>
             <a:r>
-              <a:t>Section 3 Checkpoint (Part 2)</a:t>
+              <a:t>3.4 Virtual Network Interface (vNIC)</a:t>
             </a:r>
           </a:p>
         </p:txBody>
@@ -12176,7 +12286,79 @@
               </a:defRPr>
             </a:pPr>
             <a:r>
-              <a:t>If you have an 8-Core CPU, why is it bad to give a single VM 8 vCPUs?</a:t>
+              <a:t>Finally, for a VM to communicate with the outside world, it requires a vNIC.</a:t>
+            </a:r>
+          </a:p>
+          <a:p>
+            <a:pPr>
+              <a:spcBef>
+                <a:spcPts val="800"/>
+              </a:spcBef>
+              <a:spcAft>
+                <a:spcPts val="800"/>
+              </a:spcAft>
+              <a:defRPr sz="2000">
+                <a:solidFill>
+                  <a:srgbClr val="FFFFFF"/>
+                </a:solidFill>
+              </a:defRPr>
+            </a:pPr>
+            <a:r>
+              <a:t>This component connects the VM to a virtual switch (Bridge) on the host, acting as the bridge between the virtual and physical networks.</a:t>
+            </a:r>
+          </a:p>
+          <a:p>
+            <a:pPr>
+              <a:spcBef>
+                <a:spcPts val="800"/>
+              </a:spcBef>
+              <a:spcAft>
+                <a:spcPts val="800"/>
+              </a:spcAft>
+              <a:defRPr sz="2000">
+                <a:solidFill>
+                  <a:srgbClr val="FFFFFF"/>
+                </a:solidFill>
+              </a:defRPr>
+            </a:pPr>
+            <a:r>
+              <a:t>You will typically choose between two types of interfaces.</a:t>
+            </a:r>
+          </a:p>
+          <a:p>
+            <a:pPr>
+              <a:spcBef>
+                <a:spcPts val="800"/>
+              </a:spcBef>
+              <a:spcAft>
+                <a:spcPts val="800"/>
+              </a:spcAft>
+              <a:defRPr sz="2000">
+                <a:solidFill>
+                  <a:srgbClr val="FFFFFF"/>
+                </a:solidFill>
+              </a:defRPr>
+            </a:pPr>
+            <a:r>
+              <a:t>The Emulated (E1000) interface mimics a real Intel network card, ensuring compatibility with almost any operating system out of the box, though it incurs higher CPU overhead.</a:t>
+            </a:r>
+          </a:p>
+          <a:p>
+            <a:pPr>
+              <a:spcBef>
+                <a:spcPts val="800"/>
+              </a:spcBef>
+              <a:spcAft>
+                <a:spcPts val="800"/>
+              </a:spcAft>
+              <a:defRPr sz="2000">
+                <a:solidFill>
+                  <a:srgbClr val="FFFFFF"/>
+                </a:solidFill>
+              </a:defRPr>
+            </a:pPr>
+            <a:r>
+              <a:t>For performance-critical workloads, the Paravirtualized (VirtIO) interface is preferred; it is a software-defined card designed specifically for virtualization that works directly with the hypervisor to achieve network speeds often exceeding 10Gbps, though it requires specific drivers in the guest OS.</a:t>
             </a:r>
           </a:p>
         </p:txBody>
@@ -12195,7 +12377,7 @@
     <p:bg>
       <p:bgPr>
         <a:solidFill>
-          <a:srgbClr val="1E3A5F"/>
+          <a:srgbClr val="142A46"/>
         </a:solidFill>
         <a:effectLst/>
       </p:bgPr>
@@ -12223,7 +12405,7 @@
           <p:nvPr/>
         </p:nvPicPr>
         <p:blipFill>
-          <a:blip r:embed="rId2"/>
+          <a:blip r:embed="rId3"/>
           <a:stretch>
             <a:fillRect/>
           </a:stretch>
@@ -12246,8 +12428,8 @@
         </p:nvSpPr>
         <p:spPr>
           <a:xfrm>
-            <a:off x="914400" y="2286000"/>
-            <a:ext cx="7315200" cy="1828800"/>
+            <a:off x="457200" y="914400"/>
+            <a:ext cx="8229600" cy="640080"/>
           </a:xfrm>
           <a:prstGeom prst="rect">
             <a:avLst/>
@@ -12255,20 +12437,133 @@
           <a:noFill/>
         </p:spPr>
         <p:txBody>
+          <a:bodyPr wrap="none">
+            <a:spAutoFit/>
+          </a:bodyPr>
+          <a:lstStyle/>
+          <a:p>
+            <a:pPr>
+              <a:defRPr sz="3200" b="1">
+                <a:solidFill>
+                  <a:srgbClr val="C9984A"/>
+                </a:solidFill>
+              </a:defRPr>
+            </a:pPr>
+            <a:r>
+              <a:t>Section 3 Checkpoint (Part 1)</a:t>
+            </a:r>
+          </a:p>
+        </p:txBody>
+      </p:sp>
+      <p:sp>
+        <p:nvSpPr>
+          <p:cNvPr id="4" name="TextBox 3"/>
+          <p:cNvSpPr txBox="1"/>
+          <p:nvPr/>
+        </p:nvSpPr>
+        <p:spPr>
+          <a:xfrm>
+            <a:off x="731520" y="1737360"/>
+            <a:ext cx="7680960" cy="4389120"/>
+          </a:xfrm>
+          <a:prstGeom prst="rect">
+            <a:avLst/>
+          </a:prstGeom>
+          <a:noFill/>
+        </p:spPr>
+        <p:txBody>
           <a:bodyPr wrap="square">
             <a:spAutoFit/>
           </a:bodyPr>
           <a:lstStyle/>
           <a:p>
-            <a:pPr algn="ctr">
-              <a:defRPr sz="4800" b="1">
-                <a:solidFill>
-                  <a:srgbClr val="C9984A"/>
-                </a:solidFill>
-              </a:defRPr>
-            </a:pPr>
-            <a:r>
-              <a:t>4. Beyond Compute: The Software Defined Data Center</a:t>
+            <a:pPr>
+              <a:spcBef>
+                <a:spcPts val="800"/>
+              </a:spcBef>
+              <a:spcAft>
+                <a:spcPts val="800"/>
+              </a:spcAft>
+              <a:defRPr sz="2000">
+                <a:solidFill>
+                  <a:srgbClr val="FFFFFF"/>
+                </a:solidFill>
+              </a:defRPr>
+            </a:pPr>
+            <a:r>
+              <a:t>vCPU: Do not over-allocate cores. Use 'Host' type for speed.</a:t>
+            </a:r>
+          </a:p>
+          <a:p>
+            <a:pPr>
+              <a:spcBef>
+                <a:spcPts val="800"/>
+              </a:spcBef>
+              <a:spcAft>
+                <a:spcPts val="800"/>
+              </a:spcAft>
+              <a:defRPr sz="2000">
+                <a:solidFill>
+                  <a:srgbClr val="FFFFFF"/>
+                </a:solidFill>
+              </a:defRPr>
+            </a:pPr>
+            <a:r>
+              <a:t>vRAM: RAM is a hard limit. Do not over-commit.</a:t>
+            </a:r>
+          </a:p>
+          <a:p>
+            <a:pPr>
+              <a:spcBef>
+                <a:spcPts val="800"/>
+              </a:spcBef>
+              <a:spcAft>
+                <a:spcPts val="800"/>
+              </a:spcAft>
+              <a:defRPr sz="2000">
+                <a:solidFill>
+                  <a:srgbClr val="FFFFFF"/>
+                </a:solidFill>
+              </a:defRPr>
+            </a:pPr>
+            <a:r>
+              <a:t>vDisk: RAW is fast (Thick), QCOW2 is flexible (Thin).</a:t>
+            </a:r>
+          </a:p>
+          <a:p>
+            <a:pPr>
+              <a:spcBef>
+                <a:spcPts val="800"/>
+              </a:spcBef>
+              <a:spcAft>
+                <a:spcPts val="800"/>
+              </a:spcAft>
+              <a:defRPr sz="2000">
+                <a:solidFill>
+                  <a:srgbClr val="FFFFFF"/>
+                </a:solidFill>
+              </a:defRPr>
+            </a:pPr>
+            <a:r>
+              <a:t>vNIC: Use VirtIO for performance, E1000 for compatibility.</a:t>
+            </a:r>
+          </a:p>
+          <a:p>
+            <a:pPr>
+              <a:spcBef>
+                <a:spcPts val="800"/>
+              </a:spcBef>
+              <a:spcAft>
+                <a:spcPts val="800"/>
+              </a:spcAft>
+              <a:defRPr sz="2000">
+                <a:solidFill>
+                  <a:srgbClr val="FFFFFF"/>
+                </a:solidFill>
+              </a:defRPr>
+            </a:pPr>
+            <a:r>
+              <a:t>Why is "Thin Provisioning" dangerous if you are not monitoring your storage?</a:t>
             </a:r>
           </a:p>
         </p:txBody>
@@ -12360,7 +12655,7 @@
               </a:defRPr>
             </a:pPr>
             <a:r>
-              <a:t>4.1 Network Virtualization (SDN)</a:t>
+              <a:t>Section 3 Checkpoint (Part 2)</a:t>
             </a:r>
           </a:p>
         </p:txBody>
@@ -12401,61 +12696,7 @@
               </a:defRPr>
             </a:pPr>
             <a:r>
-              <a:t>In the physical world, connecting servers requires physical switches and cabling.</a:t>
-            </a:r>
-          </a:p>
-          <a:p>
-            <a:pPr>
-              <a:spcBef>
-                <a:spcPts val="800"/>
-              </a:spcBef>
-              <a:spcAft>
-                <a:spcPts val="800"/>
-              </a:spcAft>
-              <a:defRPr sz="2000">
-                <a:solidFill>
-                  <a:srgbClr val="FFFFFF"/>
-                </a:solidFill>
-              </a:defRPr>
-            </a:pPr>
-            <a:r>
-              <a:t>Software Defined Networking (SDN) eliminates this physical dependency by introducing the virtual switch—a software component residing within the hypervisor that functions exactly like its physical counterpart.</a:t>
-            </a:r>
-          </a:p>
-          <a:p>
-            <a:pPr>
-              <a:spcBef>
-                <a:spcPts val="800"/>
-              </a:spcBef>
-              <a:spcAft>
-                <a:spcPts val="800"/>
-              </a:spcAft>
-              <a:defRPr sz="2000">
-                <a:solidFill>
-                  <a:srgbClr val="FFFFFF"/>
-                </a:solidFill>
-              </a:defRPr>
-            </a:pPr>
-            <a:r>
-              <a:t>This architecture decouples the network's control plane (intelligence) from the data plane (packet forwarding), allowing administrators to create complex network topologies, VLANs, and firewalls programmatically without ever touching a physical cable.</a:t>
-            </a:r>
-          </a:p>
-          <a:p>
-            <a:pPr>
-              <a:spcBef>
-                <a:spcPts val="800"/>
-              </a:spcBef>
-              <a:spcAft>
-                <a:spcPts val="800"/>
-              </a:spcAft>
-              <a:defRPr sz="2000">
-                <a:solidFill>
-                  <a:srgbClr val="FFFFFF"/>
-                </a:solidFill>
-              </a:defRPr>
-            </a:pPr>
-            <a:r>
-              <a:t>We will explore these concepts in depth, including Linux Bridges, in Week 4: Virtual Networking.</a:t>
+              <a:t>If you have an 8-Core CPU, why is it bad to give a single VM 8 vCPUs?</a:t>
             </a:r>
           </a:p>
         </p:txBody>
@@ -12474,7 +12715,7 @@
     <p:bg>
       <p:bgPr>
         <a:solidFill>
-          <a:srgbClr val="142A46"/>
+          <a:srgbClr val="1E3A5F"/>
         </a:solidFill>
         <a:effectLst/>
       </p:bgPr>
@@ -12502,7 +12743,7 @@
           <p:nvPr/>
         </p:nvPicPr>
         <p:blipFill>
-          <a:blip r:embed="rId3"/>
+          <a:blip r:embed="rId2"/>
           <a:stretch>
             <a:fillRect/>
           </a:stretch>
@@ -12525,8 +12766,8 @@
         </p:nvSpPr>
         <p:spPr>
           <a:xfrm>
-            <a:off x="457200" y="914400"/>
-            <a:ext cx="8229600" cy="640080"/>
+            <a:off x="914400" y="2286000"/>
+            <a:ext cx="7315200" cy="1828800"/>
           </a:xfrm>
           <a:prstGeom prst="rect">
             <a:avLst/>
@@ -12534,133 +12775,20 @@
           <a:noFill/>
         </p:spPr>
         <p:txBody>
-          <a:bodyPr wrap="none">
-            <a:spAutoFit/>
-          </a:bodyPr>
-          <a:lstStyle/>
-          <a:p>
-            <a:pPr>
-              <a:defRPr sz="3200" b="1">
-                <a:solidFill>
-                  <a:srgbClr val="C9984A"/>
-                </a:solidFill>
-              </a:defRPr>
-            </a:pPr>
-            <a:r>
-              <a:t>4.2 Storage Virtualization (SDS)</a:t>
-            </a:r>
-          </a:p>
-        </p:txBody>
-      </p:sp>
-      <p:sp>
-        <p:nvSpPr>
-          <p:cNvPr id="4" name="TextBox 3"/>
-          <p:cNvSpPr txBox="1"/>
-          <p:nvPr/>
-        </p:nvSpPr>
-        <p:spPr>
-          <a:xfrm>
-            <a:off x="731520" y="1737360"/>
-            <a:ext cx="7680960" cy="4389120"/>
-          </a:xfrm>
-          <a:prstGeom prst="rect">
-            <a:avLst/>
-          </a:prstGeom>
-          <a:noFill/>
-        </p:spPr>
-        <p:txBody>
           <a:bodyPr wrap="square">
             <a:spAutoFit/>
           </a:bodyPr>
           <a:lstStyle/>
           <a:p>
-            <a:pPr>
-              <a:spcBef>
-                <a:spcPts val="800"/>
-              </a:spcBef>
-              <a:spcAft>
-                <a:spcPts val="800"/>
-              </a:spcAft>
-              <a:defRPr sz="2000">
-                <a:solidFill>
-                  <a:srgbClr val="FFFFFF"/>
-                </a:solidFill>
-              </a:defRPr>
-            </a:pPr>
-            <a:r>
-              <a:t>Software Defined Storage (SDS) fundamentally changes how we manage data persistence.</a:t>
-            </a:r>
-          </a:p>
-          <a:p>
-            <a:pPr>
-              <a:spcBef>
-                <a:spcPts val="800"/>
-              </a:spcBef>
-              <a:spcAft>
-                <a:spcPts val="800"/>
-              </a:spcAft>
-              <a:defRPr sz="2000">
-                <a:solidFill>
-                  <a:srgbClr val="FFFFFF"/>
-                </a:solidFill>
-              </a:defRPr>
-            </a:pPr>
-            <a:r>
-              <a:t>Rather than relying on isolated physical disks attached to specific servers, SDS aggregates storage devices from multiple servers into a unified, reliable storage pool.</a:t>
-            </a:r>
-          </a:p>
-          <a:p>
-            <a:pPr>
-              <a:spcBef>
-                <a:spcPts val="800"/>
-              </a:spcBef>
-              <a:spcAft>
-                <a:spcPts val="800"/>
-              </a:spcAft>
-              <a:defRPr sz="2000">
-                <a:solidFill>
-                  <a:srgbClr val="FFFFFF"/>
-                </a:solidFill>
-              </a:defRPr>
-            </a:pPr>
-            <a:r>
-              <a:t>This abstraction allows for enterprise-level features such as self-healing resilience; if a physical drive fails, the software automatically rebuilds the data on remaining drives without interrupting the virtual machine.</a:t>
-            </a:r>
-          </a:p>
-          <a:p>
-            <a:pPr>
-              <a:spcBef>
-                <a:spcPts val="800"/>
-              </a:spcBef>
-              <a:spcAft>
-                <a:spcPts val="800"/>
-              </a:spcAft>
-              <a:defRPr sz="2000">
-                <a:solidFill>
-                  <a:srgbClr val="FFFFFF"/>
-                </a:solidFill>
-              </a:defRPr>
-            </a:pPr>
-            <a:r>
-              <a:t>By treating storage as a flexible software resource rather than a rigid hardware appliance, we gain immense scalability.</a:t>
-            </a:r>
-          </a:p>
-          <a:p>
-            <a:pPr>
-              <a:spcBef>
-                <a:spcPts val="800"/>
-              </a:spcBef>
-              <a:spcAft>
-                <a:spcPts val="800"/>
-              </a:spcAft>
-              <a:defRPr sz="2000">
-                <a:solidFill>
-                  <a:srgbClr val="FFFFFF"/>
-                </a:solidFill>
-              </a:defRPr>
-            </a:pPr>
-            <a:r>
-              <a:t>These technologies, including Ceph and NFS, are the focus of Week 5: Storage &amp; Backup.</a:t>
+            <a:pPr algn="ctr">
+              <a:defRPr sz="4800" b="1">
+                <a:solidFill>
+                  <a:srgbClr val="C9984A"/>
+                </a:solidFill>
+              </a:defRPr>
+            </a:pPr>
+            <a:r>
+              <a:t>4. Beyond Compute: The Software Defined Data Center</a:t>
             </a:r>
           </a:p>
         </p:txBody>
@@ -12752,7 +12880,7 @@
               </a:defRPr>
             </a:pPr>
             <a:r>
-              <a:t>Section 4 Checkpoint</a:t>
+              <a:t>4.1 Network Virtualization (SDN)</a:t>
             </a:r>
           </a:p>
         </p:txBody>
@@ -12793,7 +12921,7 @@
               </a:defRPr>
             </a:pPr>
             <a:r>
-              <a:t>SDDC: Visualizing Compute, Network, and Storage together.</a:t>
+              <a:t>In the physical world, connecting servers requires physical switches and cabling.</a:t>
             </a:r>
           </a:p>
           <a:p>
@@ -12811,7 +12939,7 @@
               </a:defRPr>
             </a:pPr>
             <a:r>
-              <a:t>SDN: Moving network intelligence into software (Virtual Switches).</a:t>
+              <a:t>Software Defined Networking (SDN) eliminates this physical dependency by introducing the virtual switch—a software component residing within the hypervisor that functions exactly like its physical counterpart.</a:t>
             </a:r>
           </a:p>
           <a:p>
@@ -12829,7 +12957,7 @@
               </a:defRPr>
             </a:pPr>
             <a:r>
-              <a:t>SDS: Abstracting physical disks into flexible Storage Pools.</a:t>
+              <a:t>This architecture decouples the network's control plane (intelligence) from the data plane (packet forwarding), allowing administrators to create complex network topologies, VLANs, and firewalls programmatically without ever touching a physical cable.</a:t>
             </a:r>
           </a:p>
           <a:p>
@@ -12847,25 +12975,7 @@
               </a:defRPr>
             </a:pPr>
             <a:r>
-              <a:t>If the network is "software," does it still need physical cables at all?</a:t>
-            </a:r>
-          </a:p>
-          <a:p>
-            <a:pPr>
-              <a:spcBef>
-                <a:spcPts val="800"/>
-              </a:spcBef>
-              <a:spcAft>
-                <a:spcPts val="800"/>
-              </a:spcAft>
-              <a:defRPr sz="2000">
-                <a:solidFill>
-                  <a:srgbClr val="FFFFFF"/>
-                </a:solidFill>
-              </a:defRPr>
-            </a:pPr>
-            <a:r>
-              <a:t>How does SDS differ from a traditional RAID card?</a:t>
+              <a:t>We will explore these concepts in depth, including Linux Bridges, in Week 4: Virtual Networking.</a:t>
             </a:r>
           </a:p>
         </p:txBody>
@@ -12879,6 +12989,211 @@
 </file>
 
 <file path=ppt/slides/slide39.xml><?xml version="1.0" encoding="utf-8"?>
+<p:sld xmlns:a="http://schemas.openxmlformats.org/drawingml/2006/main" xmlns:r="http://schemas.openxmlformats.org/officeDocument/2006/relationships" xmlns:p="http://schemas.openxmlformats.org/presentationml/2006/main">
+  <p:cSld>
+    <p:bg>
+      <p:bgPr>
+        <a:solidFill>
+          <a:srgbClr val="142A46"/>
+        </a:solidFill>
+        <a:effectLst/>
+      </p:bgPr>
+    </p:bg>
+    <p:spTree>
+      <p:nvGrpSpPr>
+        <p:cNvPr id="1" name=""/>
+        <p:cNvGrpSpPr/>
+        <p:nvPr/>
+      </p:nvGrpSpPr>
+      <p:grpSpPr>
+        <a:xfrm>
+          <a:off x="0" y="0"/>
+          <a:ext cx="0" cy="0"/>
+          <a:chOff x="0" y="0"/>
+          <a:chExt cx="0" cy="0"/>
+        </a:xfrm>
+      </p:grpSpPr>
+      <p:pic>
+        <p:nvPicPr>
+          <p:cNvPr id="2" name="Picture 1" descr="ops3_logo.png"/>
+          <p:cNvPicPr>
+            <a:picLocks noChangeAspect="1"/>
+          </p:cNvPicPr>
+          <p:nvPr/>
+        </p:nvPicPr>
+        <p:blipFill>
+          <a:blip r:embed="rId3"/>
+          <a:stretch>
+            <a:fillRect/>
+          </a:stretch>
+        </p:blipFill>
+        <p:spPr>
+          <a:xfrm>
+            <a:off x="274320" y="274320"/>
+            <a:ext cx="581649" cy="548640"/>
+          </a:xfrm>
+          <a:prstGeom prst="rect">
+            <a:avLst/>
+          </a:prstGeom>
+        </p:spPr>
+      </p:pic>
+      <p:sp>
+        <p:nvSpPr>
+          <p:cNvPr id="3" name="TextBox 2"/>
+          <p:cNvSpPr txBox="1"/>
+          <p:nvPr/>
+        </p:nvSpPr>
+        <p:spPr>
+          <a:xfrm>
+            <a:off x="457200" y="914400"/>
+            <a:ext cx="8229600" cy="640080"/>
+          </a:xfrm>
+          <a:prstGeom prst="rect">
+            <a:avLst/>
+          </a:prstGeom>
+          <a:noFill/>
+        </p:spPr>
+        <p:txBody>
+          <a:bodyPr wrap="none">
+            <a:spAutoFit/>
+          </a:bodyPr>
+          <a:lstStyle/>
+          <a:p>
+            <a:pPr>
+              <a:defRPr sz="3200" b="1">
+                <a:solidFill>
+                  <a:srgbClr val="C9984A"/>
+                </a:solidFill>
+              </a:defRPr>
+            </a:pPr>
+            <a:r>
+              <a:t>4.2 Storage Virtualization (SDS)</a:t>
+            </a:r>
+          </a:p>
+        </p:txBody>
+      </p:sp>
+      <p:sp>
+        <p:nvSpPr>
+          <p:cNvPr id="4" name="TextBox 3"/>
+          <p:cNvSpPr txBox="1"/>
+          <p:nvPr/>
+        </p:nvSpPr>
+        <p:spPr>
+          <a:xfrm>
+            <a:off x="731520" y="1737360"/>
+            <a:ext cx="7680960" cy="4389120"/>
+          </a:xfrm>
+          <a:prstGeom prst="rect">
+            <a:avLst/>
+          </a:prstGeom>
+          <a:noFill/>
+        </p:spPr>
+        <p:txBody>
+          <a:bodyPr wrap="square">
+            <a:spAutoFit/>
+          </a:bodyPr>
+          <a:lstStyle/>
+          <a:p>
+            <a:pPr>
+              <a:spcBef>
+                <a:spcPts val="800"/>
+              </a:spcBef>
+              <a:spcAft>
+                <a:spcPts val="800"/>
+              </a:spcAft>
+              <a:defRPr sz="2000">
+                <a:solidFill>
+                  <a:srgbClr val="FFFFFF"/>
+                </a:solidFill>
+              </a:defRPr>
+            </a:pPr>
+            <a:r>
+              <a:t>Software Defined Storage (SDS) fundamentally changes how we manage data persistence.</a:t>
+            </a:r>
+          </a:p>
+          <a:p>
+            <a:pPr>
+              <a:spcBef>
+                <a:spcPts val="800"/>
+              </a:spcBef>
+              <a:spcAft>
+                <a:spcPts val="800"/>
+              </a:spcAft>
+              <a:defRPr sz="2000">
+                <a:solidFill>
+                  <a:srgbClr val="FFFFFF"/>
+                </a:solidFill>
+              </a:defRPr>
+            </a:pPr>
+            <a:r>
+              <a:t>Rather than relying on isolated physical disks attached to specific servers, SDS aggregates storage devices from multiple servers into a unified, reliable storage pool.</a:t>
+            </a:r>
+          </a:p>
+          <a:p>
+            <a:pPr>
+              <a:spcBef>
+                <a:spcPts val="800"/>
+              </a:spcBef>
+              <a:spcAft>
+                <a:spcPts val="800"/>
+              </a:spcAft>
+              <a:defRPr sz="2000">
+                <a:solidFill>
+                  <a:srgbClr val="FFFFFF"/>
+                </a:solidFill>
+              </a:defRPr>
+            </a:pPr>
+            <a:r>
+              <a:t>This abstraction allows for enterprise-level features such as self-healing resilience; if a physical drive fails, the software automatically rebuilds the data on remaining drives without interrupting the virtual machine.</a:t>
+            </a:r>
+          </a:p>
+          <a:p>
+            <a:pPr>
+              <a:spcBef>
+                <a:spcPts val="800"/>
+              </a:spcBef>
+              <a:spcAft>
+                <a:spcPts val="800"/>
+              </a:spcAft>
+              <a:defRPr sz="2000">
+                <a:solidFill>
+                  <a:srgbClr val="FFFFFF"/>
+                </a:solidFill>
+              </a:defRPr>
+            </a:pPr>
+            <a:r>
+              <a:t>By treating storage as a flexible software resource rather than a rigid hardware appliance, we gain immense scalability.</a:t>
+            </a:r>
+          </a:p>
+          <a:p>
+            <a:pPr>
+              <a:spcBef>
+                <a:spcPts val="800"/>
+              </a:spcBef>
+              <a:spcAft>
+                <a:spcPts val="800"/>
+              </a:spcAft>
+              <a:defRPr sz="2000">
+                <a:solidFill>
+                  <a:srgbClr val="FFFFFF"/>
+                </a:solidFill>
+              </a:defRPr>
+            </a:pPr>
+            <a:r>
+              <a:t>These technologies, including Ceph and NFS, are the focus of Week 5: Storage &amp; Backup.</a:t>
+            </a:r>
+          </a:p>
+        </p:txBody>
+      </p:sp>
+    </p:spTree>
+  </p:cSld>
+  <p:clrMapOvr>
+    <a:masterClrMapping/>
+  </p:clrMapOvr>
+</p:sld>
+</file>
+
+<file path=ppt/slides/slide4.xml><?xml version="1.0" encoding="utf-8"?>
 <p:sld xmlns:a="http://schemas.openxmlformats.org/drawingml/2006/main" xmlns:r="http://schemas.openxmlformats.org/officeDocument/2006/relationships" xmlns:p="http://schemas.openxmlformats.org/presentationml/2006/main">
   <p:cSld>
     <p:bg>
@@ -12957,212 +13272,7 @@
               </a:defRPr>
             </a:pPr>
             <a:r>
-              <a:t>5. The Future of Virtualization</a:t>
-            </a:r>
-          </a:p>
-        </p:txBody>
-      </p:sp>
-    </p:spTree>
-  </p:cSld>
-  <p:clrMapOvr>
-    <a:masterClrMapping/>
-  </p:clrMapOvr>
-</p:sld>
-</file>
-
-<file path=ppt/slides/slide4.xml><?xml version="1.0" encoding="utf-8"?>
-<p:sld xmlns:a="http://schemas.openxmlformats.org/drawingml/2006/main" xmlns:r="http://schemas.openxmlformats.org/officeDocument/2006/relationships" xmlns:p="http://schemas.openxmlformats.org/presentationml/2006/main">
-  <p:cSld>
-    <p:bg>
-      <p:bgPr>
-        <a:solidFill>
-          <a:srgbClr val="142A46"/>
-        </a:solidFill>
-        <a:effectLst/>
-      </p:bgPr>
-    </p:bg>
-    <p:spTree>
-      <p:nvGrpSpPr>
-        <p:cNvPr id="1" name=""/>
-        <p:cNvGrpSpPr/>
-        <p:nvPr/>
-      </p:nvGrpSpPr>
-      <p:grpSpPr>
-        <a:xfrm>
-          <a:off x="0" y="0"/>
-          <a:ext cx="0" cy="0"/>
-          <a:chOff x="0" y="0"/>
-          <a:chExt cx="0" cy="0"/>
-        </a:xfrm>
-      </p:grpSpPr>
-      <p:pic>
-        <p:nvPicPr>
-          <p:cNvPr id="2" name="Picture 1" descr="ops3_logo.png"/>
-          <p:cNvPicPr>
-            <a:picLocks noChangeAspect="1"/>
-          </p:cNvPicPr>
-          <p:nvPr/>
-        </p:nvPicPr>
-        <p:blipFill>
-          <a:blip r:embed="rId3"/>
-          <a:stretch>
-            <a:fillRect/>
-          </a:stretch>
-        </p:blipFill>
-        <p:spPr>
-          <a:xfrm>
-            <a:off x="274320" y="274320"/>
-            <a:ext cx="581649" cy="548640"/>
-          </a:xfrm>
-          <a:prstGeom prst="rect">
-            <a:avLst/>
-          </a:prstGeom>
-        </p:spPr>
-      </p:pic>
-      <p:sp>
-        <p:nvSpPr>
-          <p:cNvPr id="3" name="TextBox 2"/>
-          <p:cNvSpPr txBox="1"/>
-          <p:nvPr/>
-        </p:nvSpPr>
-        <p:spPr>
-          <a:xfrm>
-            <a:off x="457200" y="914400"/>
-            <a:ext cx="8229600" cy="640080"/>
-          </a:xfrm>
-          <a:prstGeom prst="rect">
-            <a:avLst/>
-          </a:prstGeom>
-          <a:noFill/>
-        </p:spPr>
-        <p:txBody>
-          <a:bodyPr wrap="none">
-            <a:spAutoFit/>
-          </a:bodyPr>
-          <a:lstStyle/>
-          <a:p>
-            <a:pPr>
-              <a:defRPr sz="3200" b="1">
-                <a:solidFill>
-                  <a:srgbClr val="C9984A"/>
-                </a:solidFill>
-              </a:defRPr>
-            </a:pPr>
-            <a:r>
-              <a:t>1.1 The Concept of Abstraction (Part 1)</a:t>
-            </a:r>
-          </a:p>
-        </p:txBody>
-      </p:sp>
-      <p:sp>
-        <p:nvSpPr>
-          <p:cNvPr id="4" name="TextBox 3"/>
-          <p:cNvSpPr txBox="1"/>
-          <p:nvPr/>
-        </p:nvSpPr>
-        <p:spPr>
-          <a:xfrm>
-            <a:off x="731520" y="1737360"/>
-            <a:ext cx="7680960" cy="4389120"/>
-          </a:xfrm>
-          <a:prstGeom prst="rect">
-            <a:avLst/>
-          </a:prstGeom>
-          <a:noFill/>
-        </p:spPr>
-        <p:txBody>
-          <a:bodyPr wrap="square">
-            <a:spAutoFit/>
-          </a:bodyPr>
-          <a:lstStyle/>
-          <a:p>
-            <a:pPr>
-              <a:spcBef>
-                <a:spcPts val="800"/>
-              </a:spcBef>
-              <a:spcAft>
-                <a:spcPts val="800"/>
-              </a:spcAft>
-              <a:defRPr sz="2000">
-                <a:solidFill>
-                  <a:srgbClr val="FFFFFF"/>
-                </a:solidFill>
-              </a:defRPr>
-            </a:pPr>
-            <a:r>
-              <a:t>The fundamental principle underlying virtualization is abstraction.</a:t>
-            </a:r>
-          </a:p>
-          <a:p>
-            <a:pPr>
-              <a:spcBef>
-                <a:spcPts val="800"/>
-              </a:spcBef>
-              <a:spcAft>
-                <a:spcPts val="800"/>
-              </a:spcAft>
-              <a:defRPr sz="2000">
-                <a:solidFill>
-                  <a:srgbClr val="FFFFFF"/>
-                </a:solidFill>
-              </a:defRPr>
-            </a:pPr>
-            <a:r>
-              <a:t>In traditional computing, an operating system has direct control over the physical hardware.</a:t>
-            </a:r>
-          </a:p>
-          <a:p>
-            <a:pPr>
-              <a:spcBef>
-                <a:spcPts val="800"/>
-              </a:spcBef>
-              <a:spcAft>
-                <a:spcPts val="800"/>
-              </a:spcAft>
-              <a:defRPr sz="2000">
-                <a:solidFill>
-                  <a:srgbClr val="FFFFFF"/>
-                </a:solidFill>
-              </a:defRPr>
-            </a:pPr>
-            <a:r>
-              <a:t>The OS kernel communicates with the CPU, manages physical memory, controls disk I/O operations, and handles network communication through direct interaction with hardware devices.</a:t>
-            </a:r>
-          </a:p>
-          <a:p>
-            <a:pPr>
-              <a:spcBef>
-                <a:spcPts val="800"/>
-              </a:spcBef>
-              <a:spcAft>
-                <a:spcPts val="800"/>
-              </a:spcAft>
-              <a:defRPr sz="2000">
-                <a:solidFill>
-                  <a:srgbClr val="FFFFFF"/>
-                </a:solidFill>
-              </a:defRPr>
-            </a:pPr>
-            <a:r>
-              <a:t>This tight coupling between the operating system and hardware creates limitations, particularly the one-to-one relationship between a physical machine and the operating system it runs.</a:t>
-            </a:r>
-          </a:p>
-          <a:p>
-            <a:pPr>
-              <a:spcBef>
-                <a:spcPts val="800"/>
-              </a:spcBef>
-              <a:spcAft>
-                <a:spcPts val="800"/>
-              </a:spcAft>
-              <a:defRPr sz="2000">
-                <a:solidFill>
-                  <a:srgbClr val="FFFFFF"/>
-                </a:solidFill>
-              </a:defRPr>
-            </a:pPr>
-            <a:r>
-              <a:t>Virtualization breaks this constraint by introducing an intermediary software layer called a hypervisor.</a:t>
+              <a:t>What You'll Learn This Week</a:t>
             </a:r>
           </a:p>
         </p:txBody>
@@ -13254,7 +13364,7 @@
               </a:defRPr>
             </a:pPr>
             <a:r>
-              <a:t>5.1 From Virtualization to Cloud (IaaS)</a:t>
+              <a:t>Section 4 Checkpoint</a:t>
             </a:r>
           </a:p>
         </p:txBody>
@@ -13295,7 +13405,7 @@
               </a:defRPr>
             </a:pPr>
             <a:r>
-              <a:t>When you provision a virtual machine instance in AWS, Azure, or Google Cloud, you are essentially consuming a virtualized resource managed by a massive hypervisor farm.</a:t>
+              <a:t>SDDC: Visualizing Compute, Network, and Storage together.</a:t>
             </a:r>
           </a:p>
           <a:p>
@@ -13313,7 +13423,7 @@
               </a:defRPr>
             </a:pPr>
             <a:r>
-              <a:t>The Infrastructure-as-a-Service (IaaS) model exposes this virtualization as a service via APIs, relying on two core capabilities.</a:t>
+              <a:t>SDN: Moving network intelligence into software (Virtual Switches).</a:t>
             </a:r>
           </a:p>
           <a:p>
@@ -13331,7 +13441,7 @@
               </a:defRPr>
             </a:pPr>
             <a:r>
-              <a:t>First, Multi-tenancy allows multiple distinct customers (tenants) to run their workloads on the exact same physical hardware, securely isolated from one another by the hypervisor.</a:t>
+              <a:t>SDS: Abstracting physical disks into flexible Storage Pools.</a:t>
             </a:r>
           </a:p>
           <a:p>
@@ -13349,7 +13459,25 @@
               </a:defRPr>
             </a:pPr>
             <a:r>
-              <a:t>Second, Elasticity leverages the fact that VMs are merely files and processes, allowing them to be provisioned, scaled, or destroyed in seconds to match demand—something impossible with physical hardware.</a:t>
+              <a:t>If the network is "software," does it still need physical cables at all?</a:t>
+            </a:r>
+          </a:p>
+          <a:p>
+            <a:pPr>
+              <a:spcBef>
+                <a:spcPts val="800"/>
+              </a:spcBef>
+              <a:spcAft>
+                <a:spcPts val="800"/>
+              </a:spcAft>
+              <a:defRPr sz="2000">
+                <a:solidFill>
+                  <a:srgbClr val="FFFFFF"/>
+                </a:solidFill>
+              </a:defRPr>
+            </a:pPr>
+            <a:r>
+              <a:t>How does SDS differ from a traditional RAID card?</a:t>
             </a:r>
           </a:p>
         </p:txBody>
@@ -13368,7 +13496,7 @@
     <p:bg>
       <p:bgPr>
         <a:solidFill>
-          <a:srgbClr val="142A46"/>
+          <a:srgbClr val="1E3A5F"/>
         </a:solidFill>
         <a:effectLst/>
       </p:bgPr>
@@ -13396,7 +13524,7 @@
           <p:nvPr/>
         </p:nvPicPr>
         <p:blipFill>
-          <a:blip r:embed="rId3"/>
+          <a:blip r:embed="rId2"/>
           <a:stretch>
             <a:fillRect/>
           </a:stretch>
@@ -13419,8 +13547,8 @@
         </p:nvSpPr>
         <p:spPr>
           <a:xfrm>
-            <a:off x="457200" y="914400"/>
-            <a:ext cx="8229600" cy="640080"/>
+            <a:off x="914400" y="2286000"/>
+            <a:ext cx="7315200" cy="1828800"/>
           </a:xfrm>
           <a:prstGeom prst="rect">
             <a:avLst/>
@@ -13428,79 +13556,20 @@
           <a:noFill/>
         </p:spPr>
         <p:txBody>
-          <a:bodyPr wrap="none">
-            <a:spAutoFit/>
-          </a:bodyPr>
-          <a:lstStyle/>
-          <a:p>
-            <a:pPr>
-              <a:defRPr sz="3200" b="1">
-                <a:solidFill>
-                  <a:srgbClr val="C9984A"/>
-                </a:solidFill>
-              </a:defRPr>
-            </a:pPr>
-            <a:r>
-              <a:t>5.2 Containers and Serverless</a:t>
-            </a:r>
-          </a:p>
-        </p:txBody>
-      </p:sp>
-      <p:sp>
-        <p:nvSpPr>
-          <p:cNvPr id="4" name="TextBox 3"/>
-          <p:cNvSpPr txBox="1"/>
-          <p:nvPr/>
-        </p:nvSpPr>
-        <p:spPr>
-          <a:xfrm>
-            <a:off x="731520" y="1737360"/>
-            <a:ext cx="7680960" cy="4389120"/>
-          </a:xfrm>
-          <a:prstGeom prst="rect">
-            <a:avLst/>
-          </a:prstGeom>
-          <a:noFill/>
-        </p:spPr>
-        <p:txBody>
           <a:bodyPr wrap="square">
             <a:spAutoFit/>
           </a:bodyPr>
           <a:lstStyle/>
           <a:p>
-            <a:pPr>
-              <a:spcBef>
-                <a:spcPts val="800"/>
-              </a:spcBef>
-              <a:spcAft>
-                <a:spcPts val="800"/>
-              </a:spcAft>
-              <a:defRPr sz="2000">
-                <a:solidFill>
-                  <a:srgbClr val="FFFFFF"/>
-                </a:solidFill>
-              </a:defRPr>
-            </a:pPr>
-            <a:r>
-              <a:t>By mastering the abstraction layer (the Hypervisor), you unlock the ability to understand even lighter forms of abstraction, such as Containers (Docker), which share the OS kernel, and Serverless Functions, which abstract the OS entirely.</a:t>
-            </a:r>
-          </a:p>
-          <a:p>
-            <a:pPr>
-              <a:spcBef>
-                <a:spcPts val="800"/>
-              </a:spcBef>
-              <a:spcAft>
-                <a:spcPts val="800"/>
-              </a:spcAft>
-              <a:defRPr sz="2000">
-                <a:solidFill>
-                  <a:srgbClr val="FFFFFF"/>
-                </a:solidFill>
-              </a:defRPr>
-            </a:pPr>
-            <a:r>
-              <a:t>We will explore these evolutions specifically in Week 3: Containers &amp; Resources.</a:t>
+            <a:pPr algn="ctr">
+              <a:defRPr sz="4800" b="1">
+                <a:solidFill>
+                  <a:srgbClr val="C9984A"/>
+                </a:solidFill>
+              </a:defRPr>
+            </a:pPr>
+            <a:r>
+              <a:t>5. The Future of Virtualization</a:t>
             </a:r>
           </a:p>
         </p:txBody>
@@ -13592,7 +13661,7 @@
               </a:defRPr>
             </a:pPr>
             <a:r>
-              <a:t>Section 5 Checkpoint (Part 1)</a:t>
+              <a:t>5.1 From Virtualization to Cloud (IaaS)</a:t>
             </a:r>
           </a:p>
         </p:txBody>
@@ -13633,7 +13702,7 @@
               </a:defRPr>
             </a:pPr>
             <a:r>
-              <a:t>Virtualization is the bedrock of Cloud Computing (AWS, Azure).</a:t>
+              <a:t>When you provision a virtual machine instance in AWS, Azure, or Google Cloud, you are essentially consuming a virtualized resource managed by a massive hypervisor farm.</a:t>
             </a:r>
           </a:p>
           <a:p>
@@ -13651,7 +13720,7 @@
               </a:defRPr>
             </a:pPr>
             <a:r>
-              <a:t>Abstraction enables flexibility, security, and efficiency.</a:t>
+              <a:t>The Infrastructure-as-a-Service (IaaS) model exposes this virtualization as a service via APIs, relying on two core capabilities.</a:t>
             </a:r>
           </a:p>
           <a:p>
@@ -13669,7 +13738,7 @@
               </a:defRPr>
             </a:pPr>
             <a:r>
-              <a:t>Type-1 vs Type-2 is the first major architectural decision.</a:t>
+              <a:t>First, Multi-tenancy allows multiple distinct customers (tenants) to run their workloads on the exact same physical hardware, securely isolated from one another by the hypervisor.</a:t>
             </a:r>
           </a:p>
           <a:p>
@@ -13687,25 +13756,7 @@
               </a:defRPr>
             </a:pPr>
             <a:r>
-              <a:t>How does virtualization enable "Elasticity" in the cloud?</a:t>
-            </a:r>
-          </a:p>
-          <a:p>
-            <a:pPr>
-              <a:spcBef>
-                <a:spcPts val="800"/>
-              </a:spcBef>
-              <a:spcAft>
-                <a:spcPts val="800"/>
-              </a:spcAft>
-              <a:defRPr sz="2000">
-                <a:solidFill>
-                  <a:srgbClr val="FFFFFF"/>
-                </a:solidFill>
-              </a:defRPr>
-            </a:pPr>
-            <a:r>
-              <a:t>Can a single physical server run both Type-1 and Type-2 hypervisors simultaneously?</a:t>
+              <a:t>Second, Elasticity leverages the fact that VMs are merely files and processes, allowing them to be provisioned, scaled, or destroyed in seconds to match demand—something impossible with physical hardware.</a:t>
             </a:r>
           </a:p>
         </p:txBody>
@@ -13797,7 +13848,7 @@
               </a:defRPr>
             </a:pPr>
             <a:r>
-              <a:t>Section 5 Checkpoint (Part 2)</a:t>
+              <a:t>5.2 Containers and Serverless</a:t>
             </a:r>
           </a:p>
         </p:txBody>
@@ -13838,7 +13889,25 @@
               </a:defRPr>
             </a:pPr>
             <a:r>
-              <a:t>IBM: What is Cloud Computing?</a:t>
+              <a:t>By mastering the abstraction layer (the Hypervisor), you unlock the ability to understand even lighter forms of abstraction, such as Containers (Docker), which share the OS kernel, and Serverless Functions, which abstract the OS entirely.</a:t>
+            </a:r>
+          </a:p>
+          <a:p>
+            <a:pPr>
+              <a:spcBef>
+                <a:spcPts val="800"/>
+              </a:spcBef>
+              <a:spcAft>
+                <a:spcPts val="800"/>
+              </a:spcAft>
+              <a:defRPr sz="2000">
+                <a:solidFill>
+                  <a:srgbClr val="FFFFFF"/>
+                </a:solidFill>
+              </a:defRPr>
+            </a:pPr>
+            <a:r>
+              <a:t>We will explore these evolutions specifically in Week 3: Containers &amp; Resources.</a:t>
             </a:r>
           </a:p>
         </p:txBody>
@@ -13930,7 +13999,7 @@
               </a:defRPr>
             </a:pPr>
             <a:r>
-              <a:t>Preparing for Week 2</a:t>
+              <a:t>Section 5 Checkpoint (Part 1)</a:t>
             </a:r>
           </a:p>
         </p:txBody>
@@ -13971,7 +14040,7 @@
               </a:defRPr>
             </a:pPr>
             <a:r>
-              <a:t>Deconstruct the KVM architecture to see how it uses the Linux Kernel.</a:t>
+              <a:t>Virtualization is the bedrock of Cloud Computing (AWS, Azure).</a:t>
             </a:r>
           </a:p>
           <a:p>
@@ -13989,7 +14058,7 @@
               </a:defRPr>
             </a:pPr>
             <a:r>
-              <a:t>Deploy Proxmox VE on bare metal in our "Mastery" lab.</a:t>
+              <a:t>Abstraction enables flexibility, security, and efficiency.</a:t>
             </a:r>
           </a:p>
           <a:p>
@@ -14007,7 +14076,7 @@
               </a:defRPr>
             </a:pPr>
             <a:r>
-              <a:t>Master the art of creating, managing, and optimizing Virtual Machines.</a:t>
+              <a:t>Type-1 vs Type-2 is the first major architectural decision.</a:t>
             </a:r>
           </a:p>
           <a:p>
@@ -14025,7 +14094,7 @@
               </a:defRPr>
             </a:pPr>
             <a:r>
-              <a:t>Can you clearly explain the role of a Hypervisor?</a:t>
+              <a:t>How does virtualization enable "Elasticity" in the cloud?</a:t>
             </a:r>
           </a:p>
           <a:p>
@@ -14043,7 +14112,7 @@
               </a:defRPr>
             </a:pPr>
             <a:r>
-              <a:t>Do you know which Hypervisor type is best for a Production Database vs a Developer Laptop?</a:t>
+              <a:t>Can a single physical server run both Type-1 and Type-2 hypervisors simultaneously?</a:t>
             </a:r>
           </a:p>
         </p:txBody>
@@ -14057,6 +14126,139 @@
 </file>
 
 <file path=ppt/slides/slide45.xml><?xml version="1.0" encoding="utf-8"?>
+<p:sld xmlns:a="http://schemas.openxmlformats.org/drawingml/2006/main" xmlns:r="http://schemas.openxmlformats.org/officeDocument/2006/relationships" xmlns:p="http://schemas.openxmlformats.org/presentationml/2006/main">
+  <p:cSld>
+    <p:bg>
+      <p:bgPr>
+        <a:solidFill>
+          <a:srgbClr val="142A46"/>
+        </a:solidFill>
+        <a:effectLst/>
+      </p:bgPr>
+    </p:bg>
+    <p:spTree>
+      <p:nvGrpSpPr>
+        <p:cNvPr id="1" name=""/>
+        <p:cNvGrpSpPr/>
+        <p:nvPr/>
+      </p:nvGrpSpPr>
+      <p:grpSpPr>
+        <a:xfrm>
+          <a:off x="0" y="0"/>
+          <a:ext cx="0" cy="0"/>
+          <a:chOff x="0" y="0"/>
+          <a:chExt cx="0" cy="0"/>
+        </a:xfrm>
+      </p:grpSpPr>
+      <p:pic>
+        <p:nvPicPr>
+          <p:cNvPr id="2" name="Picture 1" descr="ops3_logo.png"/>
+          <p:cNvPicPr>
+            <a:picLocks noChangeAspect="1"/>
+          </p:cNvPicPr>
+          <p:nvPr/>
+        </p:nvPicPr>
+        <p:blipFill>
+          <a:blip r:embed="rId3"/>
+          <a:stretch>
+            <a:fillRect/>
+          </a:stretch>
+        </p:blipFill>
+        <p:spPr>
+          <a:xfrm>
+            <a:off x="274320" y="274320"/>
+            <a:ext cx="581649" cy="548640"/>
+          </a:xfrm>
+          <a:prstGeom prst="rect">
+            <a:avLst/>
+          </a:prstGeom>
+        </p:spPr>
+      </p:pic>
+      <p:sp>
+        <p:nvSpPr>
+          <p:cNvPr id="3" name="TextBox 2"/>
+          <p:cNvSpPr txBox="1"/>
+          <p:nvPr/>
+        </p:nvSpPr>
+        <p:spPr>
+          <a:xfrm>
+            <a:off x="457200" y="914400"/>
+            <a:ext cx="8229600" cy="640080"/>
+          </a:xfrm>
+          <a:prstGeom prst="rect">
+            <a:avLst/>
+          </a:prstGeom>
+          <a:noFill/>
+        </p:spPr>
+        <p:txBody>
+          <a:bodyPr wrap="none">
+            <a:spAutoFit/>
+          </a:bodyPr>
+          <a:lstStyle/>
+          <a:p>
+            <a:pPr>
+              <a:defRPr sz="3200" b="1">
+                <a:solidFill>
+                  <a:srgbClr val="C9984A"/>
+                </a:solidFill>
+              </a:defRPr>
+            </a:pPr>
+            <a:r>
+              <a:t>Section 5 Checkpoint (Part 2)</a:t>
+            </a:r>
+          </a:p>
+        </p:txBody>
+      </p:sp>
+      <p:sp>
+        <p:nvSpPr>
+          <p:cNvPr id="4" name="TextBox 3"/>
+          <p:cNvSpPr txBox="1"/>
+          <p:nvPr/>
+        </p:nvSpPr>
+        <p:spPr>
+          <a:xfrm>
+            <a:off x="731520" y="1737360"/>
+            <a:ext cx="7680960" cy="4389120"/>
+          </a:xfrm>
+          <a:prstGeom prst="rect">
+            <a:avLst/>
+          </a:prstGeom>
+          <a:noFill/>
+        </p:spPr>
+        <p:txBody>
+          <a:bodyPr wrap="square">
+            <a:spAutoFit/>
+          </a:bodyPr>
+          <a:lstStyle/>
+          <a:p>
+            <a:pPr>
+              <a:spcBef>
+                <a:spcPts val="800"/>
+              </a:spcBef>
+              <a:spcAft>
+                <a:spcPts val="800"/>
+              </a:spcAft>
+              <a:defRPr sz="2000">
+                <a:solidFill>
+                  <a:srgbClr val="FFFFFF"/>
+                </a:solidFill>
+              </a:defRPr>
+            </a:pPr>
+            <a:r>
+              <a:t>IBM: What is Cloud Computing?</a:t>
+            </a:r>
+          </a:p>
+        </p:txBody>
+      </p:sp>
+    </p:spTree>
+  </p:cSld>
+  <p:clrMapOvr>
+    <a:masterClrMapping/>
+  </p:clrMapOvr>
+</p:sld>
+</file>
+
+<file path=ppt/slides/slide46.xml><?xml version="1.0" encoding="utf-8"?>
 <p:sld xmlns:a="http://schemas.openxmlformats.org/drawingml/2006/main" xmlns:r="http://schemas.openxmlformats.org/officeDocument/2006/relationships" xmlns:p="http://schemas.openxmlformats.org/presentationml/2006/main">
   <p:cSld>
     <p:bg>
@@ -14135,7 +14337,7 @@
               </a:defRPr>
             </a:pPr>
             <a:r>
-              <a:t>Summary</a:t>
+              <a:t>6. Summary and Next Steps</a:t>
             </a:r>
           </a:p>
         </p:txBody>
@@ -14148,7 +14350,7 @@
 </p:sld>
 </file>
 
-<file path=ppt/slides/slide5.xml><?xml version="1.0" encoding="utf-8"?>
+<file path=ppt/slides/slide47.xml><?xml version="1.0" encoding="utf-8"?>
 <p:sld xmlns:a="http://schemas.openxmlformats.org/drawingml/2006/main" xmlns:r="http://schemas.openxmlformats.org/officeDocument/2006/relationships" xmlns:p="http://schemas.openxmlformats.org/presentationml/2006/main">
   <p:cSld>
     <p:bg>
@@ -14227,7 +14429,7 @@
               </a:defRPr>
             </a:pPr>
             <a:r>
-              <a:t>1.1 The Concept of Abstraction (Part 2)</a:t>
+              <a:t>Preparing for Week 2</a:t>
             </a:r>
           </a:p>
         </p:txBody>
@@ -14268,7 +14470,7 @@
               </a:defRPr>
             </a:pPr>
             <a:r>
-              <a:t>The hypervisor sits between the physical hardware and the operating systems, presenting virtualized hardware resources to each guest operating system.</a:t>
+              <a:t>Deconstruct the KVM architecture to see how it uses the Linux Kernel.</a:t>
             </a:r>
           </a:p>
           <a:p>
@@ -14286,7 +14488,7 @@
               </a:defRPr>
             </a:pPr>
             <a:r>
-              <a:t>To the guest OS, these virtual resources appear identical to physical hardware.</a:t>
+              <a:t>Deploy Proxmox VE on bare metal in our "Mastery" lab.</a:t>
             </a:r>
           </a:p>
           <a:p>
@@ -14304,7 +14506,7 @@
               </a:defRPr>
             </a:pPr>
             <a:r>
-              <a:t>The guest OS remains unaware that it is running in a virtual environment rather than on dedicated physical hardware.</a:t>
+              <a:t>Master the art of creating, managing, and optimizing Virtual Machines.</a:t>
             </a:r>
           </a:p>
           <a:p>
@@ -14322,7 +14524,209 @@
               </a:defRPr>
             </a:pPr>
             <a:r>
-              <a:t>This deception is the essence of virtualization and enables multiple operating systems to coexist on the same physical platform.</a:t>
+              <a:t>Can you clearly explain the role of a Hypervisor?</a:t>
+            </a:r>
+          </a:p>
+          <a:p>
+            <a:pPr>
+              <a:spcBef>
+                <a:spcPts val="800"/>
+              </a:spcBef>
+              <a:spcAft>
+                <a:spcPts val="800"/>
+              </a:spcAft>
+              <a:defRPr sz="2000">
+                <a:solidFill>
+                  <a:srgbClr val="FFFFFF"/>
+                </a:solidFill>
+              </a:defRPr>
+            </a:pPr>
+            <a:r>
+              <a:t>Do you know which Hypervisor type is best for a Production Database vs a Developer Laptop?</a:t>
+            </a:r>
+          </a:p>
+        </p:txBody>
+      </p:sp>
+    </p:spTree>
+  </p:cSld>
+  <p:clrMapOvr>
+    <a:masterClrMapping/>
+  </p:clrMapOvr>
+</p:sld>
+</file>
+
+<file path=ppt/slides/slide48.xml><?xml version="1.0" encoding="utf-8"?>
+<p:sld xmlns:a="http://schemas.openxmlformats.org/drawingml/2006/main" xmlns:r="http://schemas.openxmlformats.org/officeDocument/2006/relationships" xmlns:p="http://schemas.openxmlformats.org/presentationml/2006/main">
+  <p:cSld>
+    <p:bg>
+      <p:bgPr>
+        <a:solidFill>
+          <a:srgbClr val="1E3A5F"/>
+        </a:solidFill>
+        <a:effectLst/>
+      </p:bgPr>
+    </p:bg>
+    <p:spTree>
+      <p:nvGrpSpPr>
+        <p:cNvPr id="1" name=""/>
+        <p:cNvGrpSpPr/>
+        <p:nvPr/>
+      </p:nvGrpSpPr>
+      <p:grpSpPr>
+        <a:xfrm>
+          <a:off x="0" y="0"/>
+          <a:ext cx="0" cy="0"/>
+          <a:chOff x="0" y="0"/>
+          <a:chExt cx="0" cy="0"/>
+        </a:xfrm>
+      </p:grpSpPr>
+      <p:pic>
+        <p:nvPicPr>
+          <p:cNvPr id="2" name="Picture 1" descr="ops3_logo.png"/>
+          <p:cNvPicPr>
+            <a:picLocks noChangeAspect="1"/>
+          </p:cNvPicPr>
+          <p:nvPr/>
+        </p:nvPicPr>
+        <p:blipFill>
+          <a:blip r:embed="rId2"/>
+          <a:stretch>
+            <a:fillRect/>
+          </a:stretch>
+        </p:blipFill>
+        <p:spPr>
+          <a:xfrm>
+            <a:off x="274320" y="274320"/>
+            <a:ext cx="581649" cy="548640"/>
+          </a:xfrm>
+          <a:prstGeom prst="rect">
+            <a:avLst/>
+          </a:prstGeom>
+        </p:spPr>
+      </p:pic>
+      <p:sp>
+        <p:nvSpPr>
+          <p:cNvPr id="3" name="TextBox 2"/>
+          <p:cNvSpPr txBox="1"/>
+          <p:nvPr/>
+        </p:nvSpPr>
+        <p:spPr>
+          <a:xfrm>
+            <a:off x="914400" y="2286000"/>
+            <a:ext cx="7315200" cy="1828800"/>
+          </a:xfrm>
+          <a:prstGeom prst="rect">
+            <a:avLst/>
+          </a:prstGeom>
+          <a:noFill/>
+        </p:spPr>
+        <p:txBody>
+          <a:bodyPr wrap="square">
+            <a:spAutoFit/>
+          </a:bodyPr>
+          <a:lstStyle/>
+          <a:p>
+            <a:pPr algn="ctr">
+              <a:defRPr sz="4800" b="1">
+                <a:solidFill>
+                  <a:srgbClr val="C9984A"/>
+                </a:solidFill>
+              </a:defRPr>
+            </a:pPr>
+            <a:r>
+              <a:t>Summary</a:t>
+            </a:r>
+          </a:p>
+        </p:txBody>
+      </p:sp>
+    </p:spTree>
+  </p:cSld>
+  <p:clrMapOvr>
+    <a:masterClrMapping/>
+  </p:clrMapOvr>
+</p:sld>
+</file>
+
+<file path=ppt/slides/slide5.xml><?xml version="1.0" encoding="utf-8"?>
+<p:sld xmlns:a="http://schemas.openxmlformats.org/drawingml/2006/main" xmlns:r="http://schemas.openxmlformats.org/officeDocument/2006/relationships" xmlns:p="http://schemas.openxmlformats.org/presentationml/2006/main">
+  <p:cSld>
+    <p:bg>
+      <p:bgPr>
+        <a:solidFill>
+          <a:srgbClr val="1E3A5F"/>
+        </a:solidFill>
+        <a:effectLst/>
+      </p:bgPr>
+    </p:bg>
+    <p:spTree>
+      <p:nvGrpSpPr>
+        <p:cNvPr id="1" name=""/>
+        <p:cNvGrpSpPr/>
+        <p:nvPr/>
+      </p:nvGrpSpPr>
+      <p:grpSpPr>
+        <a:xfrm>
+          <a:off x="0" y="0"/>
+          <a:ext cx="0" cy="0"/>
+          <a:chOff x="0" y="0"/>
+          <a:chExt cx="0" cy="0"/>
+        </a:xfrm>
+      </p:grpSpPr>
+      <p:pic>
+        <p:nvPicPr>
+          <p:cNvPr id="2" name="Picture 1" descr="ops3_logo.png"/>
+          <p:cNvPicPr>
+            <a:picLocks noChangeAspect="1"/>
+          </p:cNvPicPr>
+          <p:nvPr/>
+        </p:nvPicPr>
+        <p:blipFill>
+          <a:blip r:embed="rId2"/>
+          <a:stretch>
+            <a:fillRect/>
+          </a:stretch>
+        </p:blipFill>
+        <p:spPr>
+          <a:xfrm>
+            <a:off x="274320" y="274320"/>
+            <a:ext cx="581649" cy="548640"/>
+          </a:xfrm>
+          <a:prstGeom prst="rect">
+            <a:avLst/>
+          </a:prstGeom>
+        </p:spPr>
+      </p:pic>
+      <p:sp>
+        <p:nvSpPr>
+          <p:cNvPr id="3" name="TextBox 2"/>
+          <p:cNvSpPr txBox="1"/>
+          <p:nvPr/>
+        </p:nvSpPr>
+        <p:spPr>
+          <a:xfrm>
+            <a:off x="914400" y="2286000"/>
+            <a:ext cx="7315200" cy="1828800"/>
+          </a:xfrm>
+          <a:prstGeom prst="rect">
+            <a:avLst/>
+          </a:prstGeom>
+          <a:noFill/>
+        </p:spPr>
+        <p:txBody>
+          <a:bodyPr wrap="square">
+            <a:spAutoFit/>
+          </a:bodyPr>
+          <a:lstStyle/>
+          <a:p>
+            <a:pPr algn="ctr">
+              <a:defRPr sz="4800" b="1">
+                <a:solidFill>
+                  <a:srgbClr val="C9984A"/>
+                </a:solidFill>
+              </a:defRPr>
+            </a:pPr>
+            <a:r>
+              <a:t>1. Understanding Virtualization</a:t>
             </a:r>
           </a:p>
         </p:txBody>
@@ -14414,7 +14818,7 @@
               </a:defRPr>
             </a:pPr>
             <a:r>
-              <a:t>1.2 Historical Context and Evolution (Part 1)</a:t>
+              <a:t>1.1 The Concept of Abstraction (Part 1)</a:t>
             </a:r>
           </a:p>
         </p:txBody>
@@ -14455,7 +14859,7 @@
               </a:defRPr>
             </a:pPr>
             <a:r>
-              <a:t>Virtualization is not a new concept.</a:t>
+              <a:t>The fundamental principle underlying virtualization is abstraction.</a:t>
             </a:r>
           </a:p>
           <a:p>
@@ -14473,7 +14877,7 @@
               </a:defRPr>
             </a:pPr>
             <a:r>
-              <a:t>IBM developed the first virtualization systems in the 1960s for their mainframe computers, enabling multiple users to share expensive hardware resources efficiently.</a:t>
+              <a:t>In traditional computing, an operating system has direct control over the physical hardware.</a:t>
             </a:r>
           </a:p>
           <a:p>
@@ -14491,7 +14895,7 @@
               </a:defRPr>
             </a:pPr>
             <a:r>
-              <a:t>However, virtualization in the x86 architecture, which dominates modern computing, faced significant technical challenges.</a:t>
+              <a:t>The OS kernel communicates with the CPU, manages physical memory, controls disk I/O operations, and handles network communication through direct interaction with hardware devices.</a:t>
             </a:r>
           </a:p>
           <a:p>
@@ -14509,7 +14913,7 @@
               </a:defRPr>
             </a:pPr>
             <a:r>
-              <a:t>The x86 architecture was not originally designed with virtualization in mind, making it difficult to virtualize efficiently.</a:t>
+              <a:t>This tight coupling between the operating system and hardware creates limitations, particularly the one-to-one relationship between a physical machine and the operating system it runs.</a:t>
             </a:r>
           </a:p>
           <a:p>
@@ -14527,7 +14931,7 @@
               </a:defRPr>
             </a:pPr>
             <a:r>
-              <a:t>This changed dramatically in 2005-2006 when Intel and AMD introduced hardware virtualization extensions to their processors.</a:t>
+              <a:t>Virtualization breaks this constraint by introducing an intermediary software layer called a hypervisor.</a:t>
             </a:r>
           </a:p>
         </p:txBody>
@@ -14619,7 +15023,7 @@
               </a:defRPr>
             </a:pPr>
             <a:r>
-              <a:t>1.2 Historical Context and Evolution (Part 2)</a:t>
+              <a:t>1.1 The Concept of Abstraction (Part 2)</a:t>
             </a:r>
           </a:p>
         </p:txBody>
@@ -14660,7 +15064,7 @@
               </a:defRPr>
             </a:pPr>
             <a:r>
-              <a:t>Intel's VT-x (Virtualization Technology) and AMD's AMD-V provided the necessary hardware support to efficiently virtualize x86 systems.</a:t>
+              <a:t>The hypervisor sits between the physical hardware and the operating systems, presenting virtualized hardware resources to each guest operating system.</a:t>
             </a:r>
           </a:p>
           <a:p>
@@ -14678,7 +15082,7 @@
               </a:defRPr>
             </a:pPr>
             <a:r>
-              <a:t>These extensions allow the processor to directly support virtualization operations, eliminating the need for complex and performance-degrading software workarounds.</a:t>
+              <a:t>To the guest OS, these virtual resources appear identical to physical hardware.</a:t>
             </a:r>
           </a:p>
           <a:p>
@@ -14696,7 +15100,25 @@
               </a:defRPr>
             </a:pPr>
             <a:r>
-              <a:t>The introduction of these hardware features coincided with the emergence of modern open-source virtualization solutions like KVM, which was merged into the Linux kernel in 2007.</a:t>
+              <a:t>The guest OS remains unaware that it is running in a virtual environment rather than on dedicated physical hardware.</a:t>
+            </a:r>
+          </a:p>
+          <a:p>
+            <a:pPr>
+              <a:spcBef>
+                <a:spcPts val="800"/>
+              </a:spcBef>
+              <a:spcAft>
+                <a:spcPts val="800"/>
+              </a:spcAft>
+              <a:defRPr sz="2000">
+                <a:solidFill>
+                  <a:srgbClr val="FFFFFF"/>
+                </a:solidFill>
+              </a:defRPr>
+            </a:pPr>
+            <a:r>
+              <a:t>This deception is the essence of virtualization and enables multiple operating systems to coexist on the same physical platform.</a:t>
             </a:r>
           </a:p>
         </p:txBody>
@@ -14788,7 +15210,7 @@
               </a:defRPr>
             </a:pPr>
             <a:r>
-              <a:t>1.3 Practical Benefits of Virtualization (Part 1)</a:t>
+              <a:t>1.2 Historical Context and Evolution (Part 1)</a:t>
             </a:r>
           </a:p>
         </p:txBody>
@@ -14829,7 +15251,7 @@
               </a:defRPr>
             </a:pPr>
             <a:r>
-              <a:t>The adoption of virtualization technology delivers several concrete benefits that have made it nearly ubiquitous in modern data centers.</a:t>
+              <a:t>Virtualization is not a new concept.</a:t>
             </a:r>
           </a:p>
           <a:p>
@@ -14847,7 +15269,7 @@
               </a:defRPr>
             </a:pPr>
             <a:r>
-              <a:t>Server consolidation represents one of the most immediate and measurable advantages.</a:t>
+              <a:t>IBM developed the first virtualization systems in the 1960s for their mainframe computers, enabling multiple users to share expensive hardware resources efficiently.</a:t>
             </a:r>
           </a:p>
           <a:p>
@@ -14865,7 +15287,7 @@
               </a:defRPr>
             </a:pPr>
             <a:r>
-              <a:t>Organizations that previously required dozens or hundreds of physical servers can consolidate these workloads onto a smaller number of more powerful physical hosts running multiple virtual machines.</a:t>
+              <a:t>However, virtualization in the x86 architecture, which dominates modern computing, faced significant technical challenges.</a:t>
             </a:r>
           </a:p>
           <a:p>
@@ -14883,7 +15305,7 @@
               </a:defRPr>
             </a:pPr>
             <a:r>
-              <a:t>This consolidation reduces capital expenditure on hardware, lowers power consumption, decreases cooling requirements, and reduces the physical space needed for infrastructure.</a:t>
+              <a:t>The x86 architecture was not originally designed with virtualization in mind, making it difficult to virtualize efficiently.</a:t>
             </a:r>
           </a:p>
           <a:p>
@@ -14901,7 +15323,7 @@
               </a:defRPr>
             </a:pPr>
             <a:r>
-              <a:t>Consider a concrete example: A medium-sized organization running 20 physical servers, each consuming 200 watts of power, uses 4,000 watts continuously.</a:t>
+              <a:t>This changed dramatically in 2005-2006 when Intel and AMD introduced hardware virtualization extensions to their processors.</a:t>
             </a:r>
           </a:p>
         </p:txBody>
@@ -14993,7 +15415,7 @@
               </a:defRPr>
             </a:pPr>
             <a:r>
-              <a:t>1.3 Practical Benefits of Virtualization (Part 2)</a:t>
+              <a:t>1.2 Historical Context and Evolution (Part 2)</a:t>
             </a:r>
           </a:p>
         </p:txBody>
@@ -15034,7 +15456,7 @@
               </a:defRPr>
             </a:pPr>
             <a:r>
-              <a:t>With appropriate consolidation onto 4 physical hosts running virtual machines, power consumption might drop to 1,200 watts while maintaining the same computational capacity.</a:t>
+              <a:t>Intel's VT-x (Virtualization Technology) and AMD's AMD-V provided the necessary hardware support to efficiently virtualize x86 systems.</a:t>
             </a:r>
           </a:p>
           <a:p>
@@ -15052,7 +15474,7 @@
               </a:defRPr>
             </a:pPr>
             <a:r>
-              <a:t>Over a year, this represents significant savings in electricity costs and reduced cooling requirements, which often consume as much power as the servers themselves.</a:t>
+              <a:t>These extensions allow the processor to directly support virtualization operations, eliminating the need for complex and performance-degrading software workarounds.</a:t>
             </a:r>
           </a:p>
           <a:p>
@@ -15070,43 +15492,7 @@
               </a:defRPr>
             </a:pPr>
             <a:r>
-              <a:t>Isolation and security benefits emerge from the separation between virtual machines.</a:t>
-            </a:r>
-          </a:p>
-          <a:p>
-            <a:pPr>
-              <a:spcBef>
-                <a:spcPts val="800"/>
-              </a:spcBef>
-              <a:spcAft>
-                <a:spcPts val="800"/>
-              </a:spcAft>
-              <a:defRPr sz="2000">
-                <a:solidFill>
-                  <a:srgbClr val="FFFFFF"/>
-                </a:solidFill>
-              </a:defRPr>
-            </a:pPr>
-            <a:r>
-              <a:t>Each VM operates in its own isolated environment.</a:t>
-            </a:r>
-          </a:p>
-          <a:p>
-            <a:pPr>
-              <a:spcBef>
-                <a:spcPts val="800"/>
-              </a:spcBef>
-              <a:spcAft>
-                <a:spcPts val="800"/>
-              </a:spcAft>
-              <a:defRPr sz="2000">
-                <a:solidFill>
-                  <a:srgbClr val="FFFFFF"/>
-                </a:solidFill>
-              </a:defRPr>
-            </a:pPr>
-            <a:r>
-              <a:t>If one VM experiences a kernel panic, becomes compromised by malware, or suffers a critical software failure, other VMs on the same physical host continue operating normally.</a:t>
+              <a:t>The introduction of these hardware features coincided with the emergence of modern open-source virtualization solutions like KVM, which was merged into the Linux kernel in 2007.</a:t>
             </a:r>
           </a:p>
         </p:txBody>
